--- a/Images/deepcdp-images.pptx
+++ b/Images/deepcdp-images.pptx
@@ -6,6 +6,8 @@
   </p:sldMasterIdLst>
   <p:sldIdLst>
     <p:sldId id="256" r:id="rId2"/>
+    <p:sldId id="258" r:id="rId3"/>
+    <p:sldId id="257" r:id="rId4"/>
   </p:sldIdLst>
   <p:sldSz cx="12192000" cy="6858000"/>
   <p:notesSz cx="6858000" cy="9144000"/>
@@ -115,7 +117,7 @@
 <file path=ppt/revisionInfo.xml><?xml version="1.0" encoding="utf-8"?>
 <p1510:revInfo xmlns:a="http://schemas.openxmlformats.org/drawingml/2006/main" xmlns:r="http://schemas.openxmlformats.org/officeDocument/2006/relationships" xmlns:p1510="http://schemas.microsoft.com/office/powerpoint/2015/10/main">
   <p1510:revLst>
-    <p1510:client id="{B67F58DE-E74C-914B-BBD2-B38B1A3DBC68}" v="12" dt="2023-03-28T01:40:11.425"/>
+    <p1510:client id="{B67F58DE-E74C-914B-BBD2-B38B1A3DBC68}" v="120" dt="2023-03-28T19:12:16.582"/>
   </p1510:revLst>
 </p1510:revInfo>
 </file>
@@ -124,13 +126,13 @@
 <pc:chgInfo xmlns:a="http://schemas.openxmlformats.org/drawingml/2006/main" xmlns:r="http://schemas.openxmlformats.org/officeDocument/2006/relationships" xmlns:ac="http://schemas.microsoft.com/office/drawing/2013/main/command" xmlns:pc="http://schemas.microsoft.com/office/powerpoint/2013/main/command">
   <pc:docChgLst>
     <pc:chgData name="Achar, Sid" userId="88c6eb66-029e-448d-9af0-b651d8e40665" providerId="ADAL" clId="{B67F58DE-E74C-914B-BBD2-B38B1A3DBC68}"/>
-    <pc:docChg chg="undo custSel addSld modSld">
-      <pc:chgData name="Achar, Sid" userId="88c6eb66-029e-448d-9af0-b651d8e40665" providerId="ADAL" clId="{B67F58DE-E74C-914B-BBD2-B38B1A3DBC68}" dt="2023-03-28T01:40:11.425" v="133" actId="164"/>
+    <pc:docChg chg="undo custSel addSld modSld modMainMaster">
+      <pc:chgData name="Achar, Sid" userId="88c6eb66-029e-448d-9af0-b651d8e40665" providerId="ADAL" clId="{B67F58DE-E74C-914B-BBD2-B38B1A3DBC68}" dt="2023-03-28T19:12:29.230" v="686" actId="478"/>
       <pc:docMkLst>
         <pc:docMk/>
       </pc:docMkLst>
       <pc:sldChg chg="addSp delSp modSp new mod setBg">
-        <pc:chgData name="Achar, Sid" userId="88c6eb66-029e-448d-9af0-b651d8e40665" providerId="ADAL" clId="{B67F58DE-E74C-914B-BBD2-B38B1A3DBC68}" dt="2023-03-28T01:40:11.425" v="133" actId="164"/>
+        <pc:chgData name="Achar, Sid" userId="88c6eb66-029e-448d-9af0-b651d8e40665" providerId="ADAL" clId="{B67F58DE-E74C-914B-BBD2-B38B1A3DBC68}" dt="2023-03-28T14:34:26.752" v="151"/>
         <pc:sldMkLst>
           <pc:docMk/>
           <pc:sldMk cId="1300208834" sldId="256"/>
@@ -152,7 +154,7 @@
           </ac:spMkLst>
         </pc:spChg>
         <pc:spChg chg="add mod">
-          <ac:chgData name="Achar, Sid" userId="88c6eb66-029e-448d-9af0-b651d8e40665" providerId="ADAL" clId="{B67F58DE-E74C-914B-BBD2-B38B1A3DBC68}" dt="2023-03-28T01:40:11.425" v="133" actId="164"/>
+          <ac:chgData name="Achar, Sid" userId="88c6eb66-029e-448d-9af0-b651d8e40665" providerId="ADAL" clId="{B67F58DE-E74C-914B-BBD2-B38B1A3DBC68}" dt="2023-03-28T14:34:26.752" v="151"/>
           <ac:spMkLst>
             <pc:docMk/>
             <pc:sldMk cId="1300208834" sldId="256"/>
@@ -168,7 +170,7 @@
           </ac:spMkLst>
         </pc:spChg>
         <pc:spChg chg="add mod">
-          <ac:chgData name="Achar, Sid" userId="88c6eb66-029e-448d-9af0-b651d8e40665" providerId="ADAL" clId="{B67F58DE-E74C-914B-BBD2-B38B1A3DBC68}" dt="2023-03-28T01:40:11.425" v="133" actId="164"/>
+          <ac:chgData name="Achar, Sid" userId="88c6eb66-029e-448d-9af0-b651d8e40665" providerId="ADAL" clId="{B67F58DE-E74C-914B-BBD2-B38B1A3DBC68}" dt="2023-03-28T14:34:26.752" v="151"/>
           <ac:spMkLst>
             <pc:docMk/>
             <pc:sldMk cId="1300208834" sldId="256"/>
@@ -176,7 +178,7 @@
           </ac:spMkLst>
         </pc:spChg>
         <pc:spChg chg="add mod">
-          <ac:chgData name="Achar, Sid" userId="88c6eb66-029e-448d-9af0-b651d8e40665" providerId="ADAL" clId="{B67F58DE-E74C-914B-BBD2-B38B1A3DBC68}" dt="2023-03-28T01:40:11.425" v="133" actId="164"/>
+          <ac:chgData name="Achar, Sid" userId="88c6eb66-029e-448d-9af0-b651d8e40665" providerId="ADAL" clId="{B67F58DE-E74C-914B-BBD2-B38B1A3DBC68}" dt="2023-03-28T14:34:26.752" v="151"/>
           <ac:spMkLst>
             <pc:docMk/>
             <pc:sldMk cId="1300208834" sldId="256"/>
@@ -184,7 +186,7 @@
           </ac:spMkLst>
         </pc:spChg>
         <pc:grpChg chg="add mod">
-          <ac:chgData name="Achar, Sid" userId="88c6eb66-029e-448d-9af0-b651d8e40665" providerId="ADAL" clId="{B67F58DE-E74C-914B-BBD2-B38B1A3DBC68}" dt="2023-03-28T01:40:11.425" v="133" actId="164"/>
+          <ac:chgData name="Achar, Sid" userId="88c6eb66-029e-448d-9af0-b651d8e40665" providerId="ADAL" clId="{B67F58DE-E74C-914B-BBD2-B38B1A3DBC68}" dt="2023-03-28T14:34:26.752" v="151"/>
           <ac:grpSpMkLst>
             <pc:docMk/>
             <pc:sldMk cId="1300208834" sldId="256"/>
@@ -192,7 +194,7 @@
           </ac:grpSpMkLst>
         </pc:grpChg>
         <pc:picChg chg="add mod ord">
-          <ac:chgData name="Achar, Sid" userId="88c6eb66-029e-448d-9af0-b651d8e40665" providerId="ADAL" clId="{B67F58DE-E74C-914B-BBD2-B38B1A3DBC68}" dt="2023-03-28T01:40:11.425" v="133" actId="164"/>
+          <ac:chgData name="Achar, Sid" userId="88c6eb66-029e-448d-9af0-b651d8e40665" providerId="ADAL" clId="{B67F58DE-E74C-914B-BBD2-B38B1A3DBC68}" dt="2023-03-28T14:34:26.752" v="151"/>
           <ac:picMkLst>
             <pc:docMk/>
             <pc:sldMk cId="1300208834" sldId="256"/>
@@ -200,7 +202,7 @@
           </ac:picMkLst>
         </pc:picChg>
         <pc:picChg chg="add mod">
-          <ac:chgData name="Achar, Sid" userId="88c6eb66-029e-448d-9af0-b651d8e40665" providerId="ADAL" clId="{B67F58DE-E74C-914B-BBD2-B38B1A3DBC68}" dt="2023-03-28T01:40:11.425" v="133" actId="164"/>
+          <ac:chgData name="Achar, Sid" userId="88c6eb66-029e-448d-9af0-b651d8e40665" providerId="ADAL" clId="{B67F58DE-E74C-914B-BBD2-B38B1A3DBC68}" dt="2023-03-28T14:34:26.752" v="151"/>
           <ac:picMkLst>
             <pc:docMk/>
             <pc:sldMk cId="1300208834" sldId="256"/>
@@ -232,14 +234,926 @@
           </ac:picMkLst>
         </pc:picChg>
         <pc:picChg chg="add mod modCrop">
-          <ac:chgData name="Achar, Sid" userId="88c6eb66-029e-448d-9af0-b651d8e40665" providerId="ADAL" clId="{B67F58DE-E74C-914B-BBD2-B38B1A3DBC68}" dt="2023-03-28T01:40:11.425" v="133" actId="164"/>
+          <ac:chgData name="Achar, Sid" userId="88c6eb66-029e-448d-9af0-b651d8e40665" providerId="ADAL" clId="{B67F58DE-E74C-914B-BBD2-B38B1A3DBC68}" dt="2023-03-28T14:34:26.752" v="151"/>
           <ac:picMkLst>
             <pc:docMk/>
             <pc:sldMk cId="1300208834" sldId="256"/>
             <ac:picMk id="10" creationId="{456F9014-8521-43BA-B2D5-520F374FB808}"/>
           </ac:picMkLst>
         </pc:picChg>
+        <pc:picChg chg="add del mod">
+          <ac:chgData name="Achar, Sid" userId="88c6eb66-029e-448d-9af0-b651d8e40665" providerId="ADAL" clId="{B67F58DE-E74C-914B-BBD2-B38B1A3DBC68}" dt="2023-03-28T14:34:25.296" v="149"/>
+          <ac:picMkLst>
+            <pc:docMk/>
+            <pc:sldMk cId="1300208834" sldId="256"/>
+            <ac:picMk id="16" creationId="{F26E01D4-5824-F140-38A8-504D8FA40FA0}"/>
+          </ac:picMkLst>
+        </pc:picChg>
       </pc:sldChg>
+      <pc:sldChg chg="addSp delSp modSp new mod">
+        <pc:chgData name="Achar, Sid" userId="88c6eb66-029e-448d-9af0-b651d8e40665" providerId="ADAL" clId="{B67F58DE-E74C-914B-BBD2-B38B1A3DBC68}" dt="2023-03-28T15:13:26.937" v="656" actId="1076"/>
+        <pc:sldMkLst>
+          <pc:docMk/>
+          <pc:sldMk cId="2847678504" sldId="257"/>
+        </pc:sldMkLst>
+        <pc:spChg chg="del">
+          <ac:chgData name="Achar, Sid" userId="88c6eb66-029e-448d-9af0-b651d8e40665" providerId="ADAL" clId="{B67F58DE-E74C-914B-BBD2-B38B1A3DBC68}" dt="2023-03-28T14:35:20.332" v="153" actId="478"/>
+          <ac:spMkLst>
+            <pc:docMk/>
+            <pc:sldMk cId="2847678504" sldId="257"/>
+            <ac:spMk id="2" creationId="{A7ECC9CE-9424-F9F6-DD31-6B1F0B380EB4}"/>
+          </ac:spMkLst>
+        </pc:spChg>
+        <pc:spChg chg="del">
+          <ac:chgData name="Achar, Sid" userId="88c6eb66-029e-448d-9af0-b651d8e40665" providerId="ADAL" clId="{B67F58DE-E74C-914B-BBD2-B38B1A3DBC68}" dt="2023-03-28T14:35:20.332" v="153" actId="478"/>
+          <ac:spMkLst>
+            <pc:docMk/>
+            <pc:sldMk cId="2847678504" sldId="257"/>
+            <ac:spMk id="3" creationId="{7D5924CC-E95D-3D4F-C5C4-677A3E350822}"/>
+          </ac:spMkLst>
+        </pc:spChg>
+        <pc:spChg chg="add del mod">
+          <ac:chgData name="Achar, Sid" userId="88c6eb66-029e-448d-9af0-b651d8e40665" providerId="ADAL" clId="{B67F58DE-E74C-914B-BBD2-B38B1A3DBC68}" dt="2023-03-28T14:45:55.193" v="294" actId="478"/>
+          <ac:spMkLst>
+            <pc:docMk/>
+            <pc:sldMk cId="2847678504" sldId="257"/>
+            <ac:spMk id="6" creationId="{C0C26918-2DEC-CA4F-2CED-82FADC15C7F3}"/>
+          </ac:spMkLst>
+        </pc:spChg>
+        <pc:spChg chg="add del mod">
+          <ac:chgData name="Achar, Sid" userId="88c6eb66-029e-448d-9af0-b651d8e40665" providerId="ADAL" clId="{B67F58DE-E74C-914B-BBD2-B38B1A3DBC68}" dt="2023-03-28T14:45:55.193" v="294" actId="478"/>
+          <ac:spMkLst>
+            <pc:docMk/>
+            <pc:sldMk cId="2847678504" sldId="257"/>
+            <ac:spMk id="11" creationId="{3BE90B24-BD7F-B559-C705-97A28DA813A4}"/>
+          </ac:spMkLst>
+        </pc:spChg>
+        <pc:spChg chg="add del mod">
+          <ac:chgData name="Achar, Sid" userId="88c6eb66-029e-448d-9af0-b651d8e40665" providerId="ADAL" clId="{B67F58DE-E74C-914B-BBD2-B38B1A3DBC68}" dt="2023-03-28T14:45:55.193" v="294" actId="478"/>
+          <ac:spMkLst>
+            <pc:docMk/>
+            <pc:sldMk cId="2847678504" sldId="257"/>
+            <ac:spMk id="12" creationId="{42FE1623-05C1-17CE-2FBC-9CDC001B323A}"/>
+          </ac:spMkLst>
+        </pc:spChg>
+        <pc:spChg chg="add mod topLvl">
+          <ac:chgData name="Achar, Sid" userId="88c6eb66-029e-448d-9af0-b651d8e40665" providerId="ADAL" clId="{B67F58DE-E74C-914B-BBD2-B38B1A3DBC68}" dt="2023-03-28T14:54:10.671" v="336" actId="164"/>
+          <ac:spMkLst>
+            <pc:docMk/>
+            <pc:sldMk cId="2847678504" sldId="257"/>
+            <ac:spMk id="14" creationId="{517BCFAC-32D3-3C41-BE7D-81BB7BBE7D22}"/>
+          </ac:spMkLst>
+        </pc:spChg>
+        <pc:spChg chg="add del mod topLvl">
+          <ac:chgData name="Achar, Sid" userId="88c6eb66-029e-448d-9af0-b651d8e40665" providerId="ADAL" clId="{B67F58DE-E74C-914B-BBD2-B38B1A3DBC68}" dt="2023-03-28T14:52:16.554" v="322" actId="478"/>
+          <ac:spMkLst>
+            <pc:docMk/>
+            <pc:sldMk cId="2847678504" sldId="257"/>
+            <ac:spMk id="15" creationId="{B460B8F3-999D-7F73-F219-14376070F4DE}"/>
+          </ac:spMkLst>
+        </pc:spChg>
+        <pc:spChg chg="add mod topLvl">
+          <ac:chgData name="Achar, Sid" userId="88c6eb66-029e-448d-9af0-b651d8e40665" providerId="ADAL" clId="{B67F58DE-E74C-914B-BBD2-B38B1A3DBC68}" dt="2023-03-28T14:54:10.671" v="336" actId="164"/>
+          <ac:spMkLst>
+            <pc:docMk/>
+            <pc:sldMk cId="2847678504" sldId="257"/>
+            <ac:spMk id="16" creationId="{9E4420F8-BFAB-238D-8ACD-0AB8B60CDD8F}"/>
+          </ac:spMkLst>
+        </pc:spChg>
+        <pc:spChg chg="add mod topLvl">
+          <ac:chgData name="Achar, Sid" userId="88c6eb66-029e-448d-9af0-b651d8e40665" providerId="ADAL" clId="{B67F58DE-E74C-914B-BBD2-B38B1A3DBC68}" dt="2023-03-28T14:54:10.671" v="336" actId="164"/>
+          <ac:spMkLst>
+            <pc:docMk/>
+            <pc:sldMk cId="2847678504" sldId="257"/>
+            <ac:spMk id="19" creationId="{1DD76C39-33F6-D2AF-F34A-1AC21417E16A}"/>
+          </ac:spMkLst>
+        </pc:spChg>
+        <pc:spChg chg="add mod topLvl">
+          <ac:chgData name="Achar, Sid" userId="88c6eb66-029e-448d-9af0-b651d8e40665" providerId="ADAL" clId="{B67F58DE-E74C-914B-BBD2-B38B1A3DBC68}" dt="2023-03-28T14:54:10.671" v="336" actId="164"/>
+          <ac:spMkLst>
+            <pc:docMk/>
+            <pc:sldMk cId="2847678504" sldId="257"/>
+            <ac:spMk id="20" creationId="{00AFDF4D-2143-DBC2-0F9E-C5F309A5564B}"/>
+          </ac:spMkLst>
+        </pc:spChg>
+        <pc:spChg chg="add mod topLvl">
+          <ac:chgData name="Achar, Sid" userId="88c6eb66-029e-448d-9af0-b651d8e40665" providerId="ADAL" clId="{B67F58DE-E74C-914B-BBD2-B38B1A3DBC68}" dt="2023-03-28T14:54:10.671" v="336" actId="164"/>
+          <ac:spMkLst>
+            <pc:docMk/>
+            <pc:sldMk cId="2847678504" sldId="257"/>
+            <ac:spMk id="21" creationId="{5899C4C7-AC36-0F69-5449-A393977364C8}"/>
+          </ac:spMkLst>
+        </pc:spChg>
+        <pc:spChg chg="add mod topLvl">
+          <ac:chgData name="Achar, Sid" userId="88c6eb66-029e-448d-9af0-b651d8e40665" providerId="ADAL" clId="{B67F58DE-E74C-914B-BBD2-B38B1A3DBC68}" dt="2023-03-28T14:54:10.671" v="336" actId="164"/>
+          <ac:spMkLst>
+            <pc:docMk/>
+            <pc:sldMk cId="2847678504" sldId="257"/>
+            <ac:spMk id="22" creationId="{261E282E-EBB3-1BDD-B1E1-A875B8087AD2}"/>
+          </ac:spMkLst>
+        </pc:spChg>
+        <pc:spChg chg="add mod topLvl">
+          <ac:chgData name="Achar, Sid" userId="88c6eb66-029e-448d-9af0-b651d8e40665" providerId="ADAL" clId="{B67F58DE-E74C-914B-BBD2-B38B1A3DBC68}" dt="2023-03-28T14:54:10.671" v="336" actId="164"/>
+          <ac:spMkLst>
+            <pc:docMk/>
+            <pc:sldMk cId="2847678504" sldId="257"/>
+            <ac:spMk id="23" creationId="{2B5A82E6-FBA6-6E74-74B5-747858C67985}"/>
+          </ac:spMkLst>
+        </pc:spChg>
+        <pc:spChg chg="add mod topLvl">
+          <ac:chgData name="Achar, Sid" userId="88c6eb66-029e-448d-9af0-b651d8e40665" providerId="ADAL" clId="{B67F58DE-E74C-914B-BBD2-B38B1A3DBC68}" dt="2023-03-28T14:54:10.671" v="336" actId="164"/>
+          <ac:spMkLst>
+            <pc:docMk/>
+            <pc:sldMk cId="2847678504" sldId="257"/>
+            <ac:spMk id="24" creationId="{F332CB9E-7047-463B-36B9-16F305BDD8E2}"/>
+          </ac:spMkLst>
+        </pc:spChg>
+        <pc:spChg chg="add mod topLvl">
+          <ac:chgData name="Achar, Sid" userId="88c6eb66-029e-448d-9af0-b651d8e40665" providerId="ADAL" clId="{B67F58DE-E74C-914B-BBD2-B38B1A3DBC68}" dt="2023-03-28T14:54:10.671" v="336" actId="164"/>
+          <ac:spMkLst>
+            <pc:docMk/>
+            <pc:sldMk cId="2847678504" sldId="257"/>
+            <ac:spMk id="25" creationId="{59E20B7B-4DF3-AF19-F800-745580AE81E8}"/>
+          </ac:spMkLst>
+        </pc:spChg>
+        <pc:spChg chg="mod">
+          <ac:chgData name="Achar, Sid" userId="88c6eb66-029e-448d-9af0-b651d8e40665" providerId="ADAL" clId="{B67F58DE-E74C-914B-BBD2-B38B1A3DBC68}" dt="2023-03-28T14:56:42.563" v="360"/>
+          <ac:spMkLst>
+            <pc:docMk/>
+            <pc:sldMk cId="2847678504" sldId="257"/>
+            <ac:spMk id="32" creationId="{BE52F258-D315-F856-771C-393FA480B18B}"/>
+          </ac:spMkLst>
+        </pc:spChg>
+        <pc:spChg chg="mod">
+          <ac:chgData name="Achar, Sid" userId="88c6eb66-029e-448d-9af0-b651d8e40665" providerId="ADAL" clId="{B67F58DE-E74C-914B-BBD2-B38B1A3DBC68}" dt="2023-03-28T14:56:42.563" v="360"/>
+          <ac:spMkLst>
+            <pc:docMk/>
+            <pc:sldMk cId="2847678504" sldId="257"/>
+            <ac:spMk id="33" creationId="{11878210-3F7D-0705-7323-12C53AF8A28F}"/>
+          </ac:spMkLst>
+        </pc:spChg>
+        <pc:spChg chg="mod">
+          <ac:chgData name="Achar, Sid" userId="88c6eb66-029e-448d-9af0-b651d8e40665" providerId="ADAL" clId="{B67F58DE-E74C-914B-BBD2-B38B1A3DBC68}" dt="2023-03-28T14:56:42.563" v="360"/>
+          <ac:spMkLst>
+            <pc:docMk/>
+            <pc:sldMk cId="2847678504" sldId="257"/>
+            <ac:spMk id="34" creationId="{B08E2755-E943-2E9A-BDDD-71649F0FF3F5}"/>
+          </ac:spMkLst>
+        </pc:spChg>
+        <pc:spChg chg="mod">
+          <ac:chgData name="Achar, Sid" userId="88c6eb66-029e-448d-9af0-b651d8e40665" providerId="ADAL" clId="{B67F58DE-E74C-914B-BBD2-B38B1A3DBC68}" dt="2023-03-28T14:56:42.563" v="360"/>
+          <ac:spMkLst>
+            <pc:docMk/>
+            <pc:sldMk cId="2847678504" sldId="257"/>
+            <ac:spMk id="35" creationId="{DF164F5C-1B44-4AB4-4B8D-15CDCAAC90FA}"/>
+          </ac:spMkLst>
+        </pc:spChg>
+        <pc:spChg chg="mod">
+          <ac:chgData name="Achar, Sid" userId="88c6eb66-029e-448d-9af0-b651d8e40665" providerId="ADAL" clId="{B67F58DE-E74C-914B-BBD2-B38B1A3DBC68}" dt="2023-03-28T14:56:42.563" v="360"/>
+          <ac:spMkLst>
+            <pc:docMk/>
+            <pc:sldMk cId="2847678504" sldId="257"/>
+            <ac:spMk id="36" creationId="{3B1A0D0E-AA4B-9477-41DD-2084B8291C82}"/>
+          </ac:spMkLst>
+        </pc:spChg>
+        <pc:spChg chg="mod">
+          <ac:chgData name="Achar, Sid" userId="88c6eb66-029e-448d-9af0-b651d8e40665" providerId="ADAL" clId="{B67F58DE-E74C-914B-BBD2-B38B1A3DBC68}" dt="2023-03-28T14:56:42.563" v="360"/>
+          <ac:spMkLst>
+            <pc:docMk/>
+            <pc:sldMk cId="2847678504" sldId="257"/>
+            <ac:spMk id="37" creationId="{A4F0E955-CD5D-42AB-E1F6-3D0599878425}"/>
+          </ac:spMkLst>
+        </pc:spChg>
+        <pc:spChg chg="mod">
+          <ac:chgData name="Achar, Sid" userId="88c6eb66-029e-448d-9af0-b651d8e40665" providerId="ADAL" clId="{B67F58DE-E74C-914B-BBD2-B38B1A3DBC68}" dt="2023-03-28T14:56:42.563" v="360"/>
+          <ac:spMkLst>
+            <pc:docMk/>
+            <pc:sldMk cId="2847678504" sldId="257"/>
+            <ac:spMk id="38" creationId="{07BFD6BD-3869-6F64-77D5-B0D7C7CC9E2F}"/>
+          </ac:spMkLst>
+        </pc:spChg>
+        <pc:spChg chg="mod">
+          <ac:chgData name="Achar, Sid" userId="88c6eb66-029e-448d-9af0-b651d8e40665" providerId="ADAL" clId="{B67F58DE-E74C-914B-BBD2-B38B1A3DBC68}" dt="2023-03-28T14:56:42.563" v="360"/>
+          <ac:spMkLst>
+            <pc:docMk/>
+            <pc:sldMk cId="2847678504" sldId="257"/>
+            <ac:spMk id="39" creationId="{8213602C-485A-B92C-5F29-7F6C95C447F8}"/>
+          </ac:spMkLst>
+        </pc:spChg>
+        <pc:spChg chg="mod">
+          <ac:chgData name="Achar, Sid" userId="88c6eb66-029e-448d-9af0-b651d8e40665" providerId="ADAL" clId="{B67F58DE-E74C-914B-BBD2-B38B1A3DBC68}" dt="2023-03-28T14:56:42.563" v="360"/>
+          <ac:spMkLst>
+            <pc:docMk/>
+            <pc:sldMk cId="2847678504" sldId="257"/>
+            <ac:spMk id="40" creationId="{FF82E3E1-6CA0-D3BD-11A2-1982B7F59B2D}"/>
+          </ac:spMkLst>
+        </pc:spChg>
+        <pc:spChg chg="mod">
+          <ac:chgData name="Achar, Sid" userId="88c6eb66-029e-448d-9af0-b651d8e40665" providerId="ADAL" clId="{B67F58DE-E74C-914B-BBD2-B38B1A3DBC68}" dt="2023-03-28T14:57:38.580" v="372"/>
+          <ac:spMkLst>
+            <pc:docMk/>
+            <pc:sldMk cId="2847678504" sldId="257"/>
+            <ac:spMk id="43" creationId="{89673B9E-37E8-051C-6F11-AEFDF019354C}"/>
+          </ac:spMkLst>
+        </pc:spChg>
+        <pc:spChg chg="mod">
+          <ac:chgData name="Achar, Sid" userId="88c6eb66-029e-448d-9af0-b651d8e40665" providerId="ADAL" clId="{B67F58DE-E74C-914B-BBD2-B38B1A3DBC68}" dt="2023-03-28T14:57:38.580" v="372"/>
+          <ac:spMkLst>
+            <pc:docMk/>
+            <pc:sldMk cId="2847678504" sldId="257"/>
+            <ac:spMk id="47" creationId="{912D0A58-79E8-ED9C-E5CD-4C58439F7D66}"/>
+          </ac:spMkLst>
+        </pc:spChg>
+        <pc:spChg chg="mod">
+          <ac:chgData name="Achar, Sid" userId="88c6eb66-029e-448d-9af0-b651d8e40665" providerId="ADAL" clId="{B67F58DE-E74C-914B-BBD2-B38B1A3DBC68}" dt="2023-03-28T14:57:38.580" v="372"/>
+          <ac:spMkLst>
+            <pc:docMk/>
+            <pc:sldMk cId="2847678504" sldId="257"/>
+            <ac:spMk id="48" creationId="{E3704A66-8852-D181-D418-D66293F22730}"/>
+          </ac:spMkLst>
+        </pc:spChg>
+        <pc:spChg chg="add mod">
+          <ac:chgData name="Achar, Sid" userId="88c6eb66-029e-448d-9af0-b651d8e40665" providerId="ADAL" clId="{B67F58DE-E74C-914B-BBD2-B38B1A3DBC68}" dt="2023-03-28T15:13:26.937" v="656" actId="1076"/>
+          <ac:spMkLst>
+            <pc:docMk/>
+            <pc:sldMk cId="2847678504" sldId="257"/>
+            <ac:spMk id="49" creationId="{B683DDC4-1023-24E2-619E-FBD5F6E0F515}"/>
+          </ac:spMkLst>
+        </pc:spChg>
+        <pc:spChg chg="add mod">
+          <ac:chgData name="Achar, Sid" userId="88c6eb66-029e-448d-9af0-b651d8e40665" providerId="ADAL" clId="{B67F58DE-E74C-914B-BBD2-B38B1A3DBC68}" dt="2023-03-28T15:13:26.937" v="656" actId="1076"/>
+          <ac:spMkLst>
+            <pc:docMk/>
+            <pc:sldMk cId="2847678504" sldId="257"/>
+            <ac:spMk id="50" creationId="{0CB95824-FF5F-14F9-7692-A9422CFCDE8E}"/>
+          </ac:spMkLst>
+        </pc:spChg>
+        <pc:spChg chg="add mod">
+          <ac:chgData name="Achar, Sid" userId="88c6eb66-029e-448d-9af0-b651d8e40665" providerId="ADAL" clId="{B67F58DE-E74C-914B-BBD2-B38B1A3DBC68}" dt="2023-03-28T15:13:26.937" v="656" actId="1076"/>
+          <ac:spMkLst>
+            <pc:docMk/>
+            <pc:sldMk cId="2847678504" sldId="257"/>
+            <ac:spMk id="51" creationId="{758426D0-2BF5-7135-FF4D-5FDE891F184A}"/>
+          </ac:spMkLst>
+        </pc:spChg>
+        <pc:spChg chg="add mod">
+          <ac:chgData name="Achar, Sid" userId="88c6eb66-029e-448d-9af0-b651d8e40665" providerId="ADAL" clId="{B67F58DE-E74C-914B-BBD2-B38B1A3DBC68}" dt="2023-03-28T15:13:26.937" v="656" actId="1076"/>
+          <ac:spMkLst>
+            <pc:docMk/>
+            <pc:sldMk cId="2847678504" sldId="257"/>
+            <ac:spMk id="52" creationId="{D0F86D8F-9A00-F5CF-0856-2E194FEC4C21}"/>
+          </ac:spMkLst>
+        </pc:spChg>
+        <pc:spChg chg="add mod">
+          <ac:chgData name="Achar, Sid" userId="88c6eb66-029e-448d-9af0-b651d8e40665" providerId="ADAL" clId="{B67F58DE-E74C-914B-BBD2-B38B1A3DBC68}" dt="2023-03-28T15:13:26.937" v="656" actId="1076"/>
+          <ac:spMkLst>
+            <pc:docMk/>
+            <pc:sldMk cId="2847678504" sldId="257"/>
+            <ac:spMk id="53" creationId="{7B00EDE9-EF4E-A692-61EE-D293D35A5D48}"/>
+          </ac:spMkLst>
+        </pc:spChg>
+        <pc:spChg chg="add mod">
+          <ac:chgData name="Achar, Sid" userId="88c6eb66-029e-448d-9af0-b651d8e40665" providerId="ADAL" clId="{B67F58DE-E74C-914B-BBD2-B38B1A3DBC68}" dt="2023-03-28T15:13:26.937" v="656" actId="1076"/>
+          <ac:spMkLst>
+            <pc:docMk/>
+            <pc:sldMk cId="2847678504" sldId="257"/>
+            <ac:spMk id="54" creationId="{88C092BE-9D7C-C928-5031-A485C12FF7B8}"/>
+          </ac:spMkLst>
+        </pc:spChg>
+        <pc:spChg chg="add mod">
+          <ac:chgData name="Achar, Sid" userId="88c6eb66-029e-448d-9af0-b651d8e40665" providerId="ADAL" clId="{B67F58DE-E74C-914B-BBD2-B38B1A3DBC68}" dt="2023-03-28T15:13:26.937" v="656" actId="1076"/>
+          <ac:spMkLst>
+            <pc:docMk/>
+            <pc:sldMk cId="2847678504" sldId="257"/>
+            <ac:spMk id="55" creationId="{4E344EA2-A034-BF25-CF8A-7E070B1C3E0C}"/>
+          </ac:spMkLst>
+        </pc:spChg>
+        <pc:spChg chg="add mod">
+          <ac:chgData name="Achar, Sid" userId="88c6eb66-029e-448d-9af0-b651d8e40665" providerId="ADAL" clId="{B67F58DE-E74C-914B-BBD2-B38B1A3DBC68}" dt="2023-03-28T15:13:26.937" v="656" actId="1076"/>
+          <ac:spMkLst>
+            <pc:docMk/>
+            <pc:sldMk cId="2847678504" sldId="257"/>
+            <ac:spMk id="56" creationId="{F5B5448C-DB80-6536-AB78-77E3AC11B271}"/>
+          </ac:spMkLst>
+        </pc:spChg>
+        <pc:spChg chg="add mod">
+          <ac:chgData name="Achar, Sid" userId="88c6eb66-029e-448d-9af0-b651d8e40665" providerId="ADAL" clId="{B67F58DE-E74C-914B-BBD2-B38B1A3DBC68}" dt="2023-03-28T15:13:26.937" v="656" actId="1076"/>
+          <ac:spMkLst>
+            <pc:docMk/>
+            <pc:sldMk cId="2847678504" sldId="257"/>
+            <ac:spMk id="57" creationId="{69DEDA8D-92B3-153C-E50C-E49BB6F53E4E}"/>
+          </ac:spMkLst>
+        </pc:spChg>
+        <pc:spChg chg="add mod">
+          <ac:chgData name="Achar, Sid" userId="88c6eb66-029e-448d-9af0-b651d8e40665" providerId="ADAL" clId="{B67F58DE-E74C-914B-BBD2-B38B1A3DBC68}" dt="2023-03-28T15:13:26.937" v="656" actId="1076"/>
+          <ac:spMkLst>
+            <pc:docMk/>
+            <pc:sldMk cId="2847678504" sldId="257"/>
+            <ac:spMk id="58" creationId="{1646E351-F6E0-05EB-E44B-9B384B9BDC26}"/>
+          </ac:spMkLst>
+        </pc:spChg>
+        <pc:grpChg chg="add del mod">
+          <ac:chgData name="Achar, Sid" userId="88c6eb66-029e-448d-9af0-b651d8e40665" providerId="ADAL" clId="{B67F58DE-E74C-914B-BBD2-B38B1A3DBC68}" dt="2023-03-28T14:48:48.603" v="299" actId="165"/>
+          <ac:grpSpMkLst>
+            <pc:docMk/>
+            <pc:sldMk cId="2847678504" sldId="257"/>
+            <ac:grpSpMk id="26" creationId="{900C12D2-F3B8-C8A8-7B82-6CF510066BB3}"/>
+          </ac:grpSpMkLst>
+        </pc:grpChg>
+        <pc:grpChg chg="add del mod">
+          <ac:chgData name="Achar, Sid" userId="88c6eb66-029e-448d-9af0-b651d8e40665" providerId="ADAL" clId="{B67F58DE-E74C-914B-BBD2-B38B1A3DBC68}" dt="2023-03-28T14:52:12.548" v="321" actId="165"/>
+          <ac:grpSpMkLst>
+            <pc:docMk/>
+            <pc:sldMk cId="2847678504" sldId="257"/>
+            <ac:grpSpMk id="27" creationId="{EDC11171-A376-9559-4236-7DCF15CE0754}"/>
+          </ac:grpSpMkLst>
+        </pc:grpChg>
+        <pc:grpChg chg="add mod modVis">
+          <ac:chgData name="Achar, Sid" userId="88c6eb66-029e-448d-9af0-b651d8e40665" providerId="ADAL" clId="{B67F58DE-E74C-914B-BBD2-B38B1A3DBC68}" dt="2023-03-28T14:56:55.540" v="364" actId="14430"/>
+          <ac:grpSpMkLst>
+            <pc:docMk/>
+            <pc:sldMk cId="2847678504" sldId="257"/>
+            <ac:grpSpMk id="28" creationId="{30FB0F98-67E0-4639-341E-E143EF78A972}"/>
+          </ac:grpSpMkLst>
+        </pc:grpChg>
+        <pc:grpChg chg="add del mod">
+          <ac:chgData name="Achar, Sid" userId="88c6eb66-029e-448d-9af0-b651d8e40665" providerId="ADAL" clId="{B67F58DE-E74C-914B-BBD2-B38B1A3DBC68}" dt="2023-03-28T14:56:45.038" v="361"/>
+          <ac:grpSpMkLst>
+            <pc:docMk/>
+            <pc:sldMk cId="2847678504" sldId="257"/>
+            <ac:grpSpMk id="29" creationId="{6865C1CF-3F39-B3E7-5B47-DC71741E51ED}"/>
+          </ac:grpSpMkLst>
+        </pc:grpChg>
+        <pc:grpChg chg="add del mod">
+          <ac:chgData name="Achar, Sid" userId="88c6eb66-029e-448d-9af0-b651d8e40665" providerId="ADAL" clId="{B67F58DE-E74C-914B-BBD2-B38B1A3DBC68}" dt="2023-03-28T14:57:39.579" v="373"/>
+          <ac:grpSpMkLst>
+            <pc:docMk/>
+            <pc:sldMk cId="2847678504" sldId="257"/>
+            <ac:grpSpMk id="42" creationId="{0F831FEC-3BB9-4EC5-A69B-3982D2D50CF3}"/>
+          </ac:grpSpMkLst>
+        </pc:grpChg>
+        <pc:grpChg chg="add mod">
+          <ac:chgData name="Achar, Sid" userId="88c6eb66-029e-448d-9af0-b651d8e40665" providerId="ADAL" clId="{B67F58DE-E74C-914B-BBD2-B38B1A3DBC68}" dt="2023-03-28T15:13:26.937" v="656" actId="1076"/>
+          <ac:grpSpMkLst>
+            <pc:docMk/>
+            <pc:sldMk cId="2847678504" sldId="257"/>
+            <ac:grpSpMk id="59" creationId="{1619F88E-B56E-8B1D-BB0C-0DA5FDDE09D1}"/>
+          </ac:grpSpMkLst>
+        </pc:grpChg>
+        <pc:picChg chg="add del mod modCrop">
+          <ac:chgData name="Achar, Sid" userId="88c6eb66-029e-448d-9af0-b651d8e40665" providerId="ADAL" clId="{B67F58DE-E74C-914B-BBD2-B38B1A3DBC68}" dt="2023-03-28T14:45:55.193" v="294" actId="478"/>
+          <ac:picMkLst>
+            <pc:docMk/>
+            <pc:sldMk cId="2847678504" sldId="257"/>
+            <ac:picMk id="5" creationId="{2DCB2ACC-E435-AA0E-FE26-558728E5663F}"/>
+          </ac:picMkLst>
+        </pc:picChg>
+        <pc:picChg chg="add mod topLvl">
+          <ac:chgData name="Achar, Sid" userId="88c6eb66-029e-448d-9af0-b651d8e40665" providerId="ADAL" clId="{B67F58DE-E74C-914B-BBD2-B38B1A3DBC68}" dt="2023-03-28T14:54:10.671" v="336" actId="164"/>
+          <ac:picMkLst>
+            <pc:docMk/>
+            <pc:sldMk cId="2847678504" sldId="257"/>
+            <ac:picMk id="18" creationId="{6836FACC-809C-9A6A-1B9D-C120D2D78128}"/>
+          </ac:picMkLst>
+        </pc:picChg>
+        <pc:picChg chg="mod">
+          <ac:chgData name="Achar, Sid" userId="88c6eb66-029e-448d-9af0-b651d8e40665" providerId="ADAL" clId="{B67F58DE-E74C-914B-BBD2-B38B1A3DBC68}" dt="2023-03-28T14:56:42.563" v="360"/>
+          <ac:picMkLst>
+            <pc:docMk/>
+            <pc:sldMk cId="2847678504" sldId="257"/>
+            <ac:picMk id="30" creationId="{656C4F54-2849-7590-9961-9908F217F912}"/>
+          </ac:picMkLst>
+        </pc:picChg>
+        <pc:picChg chg="add mod">
+          <ac:chgData name="Achar, Sid" userId="88c6eb66-029e-448d-9af0-b651d8e40665" providerId="ADAL" clId="{B67F58DE-E74C-914B-BBD2-B38B1A3DBC68}" dt="2023-03-28T15:13:26.937" v="656" actId="1076"/>
+          <ac:picMkLst>
+            <pc:docMk/>
+            <pc:sldMk cId="2847678504" sldId="257"/>
+            <ac:picMk id="41" creationId="{14B5C289-72E0-3714-15C7-D632F331B4F8}"/>
+          </ac:picMkLst>
+        </pc:picChg>
+        <pc:picChg chg="mod">
+          <ac:chgData name="Achar, Sid" userId="88c6eb66-029e-448d-9af0-b651d8e40665" providerId="ADAL" clId="{B67F58DE-E74C-914B-BBD2-B38B1A3DBC68}" dt="2023-03-28T14:57:38.580" v="372"/>
+          <ac:picMkLst>
+            <pc:docMk/>
+            <pc:sldMk cId="2847678504" sldId="257"/>
+            <ac:picMk id="44" creationId="{3C514D91-816E-4FC4-E6F0-8FEF777547FB}"/>
+          </ac:picMkLst>
+        </pc:picChg>
+        <pc:picChg chg="mod">
+          <ac:chgData name="Achar, Sid" userId="88c6eb66-029e-448d-9af0-b651d8e40665" providerId="ADAL" clId="{B67F58DE-E74C-914B-BBD2-B38B1A3DBC68}" dt="2023-03-28T14:57:38.580" v="372"/>
+          <ac:picMkLst>
+            <pc:docMk/>
+            <pc:sldMk cId="2847678504" sldId="257"/>
+            <ac:picMk id="45" creationId="{4EC0C6CB-7EB6-3B09-80C2-FFBD8383E1F3}"/>
+          </ac:picMkLst>
+        </pc:picChg>
+        <pc:picChg chg="mod">
+          <ac:chgData name="Achar, Sid" userId="88c6eb66-029e-448d-9af0-b651d8e40665" providerId="ADAL" clId="{B67F58DE-E74C-914B-BBD2-B38B1A3DBC68}" dt="2023-03-28T14:57:38.580" v="372"/>
+          <ac:picMkLst>
+            <pc:docMk/>
+            <pc:sldMk cId="2847678504" sldId="257"/>
+            <ac:picMk id="46" creationId="{C86A7C00-A8D0-6819-0E9F-377935F2700C}"/>
+          </ac:picMkLst>
+        </pc:picChg>
+        <pc:picChg chg="add mod">
+          <ac:chgData name="Achar, Sid" userId="88c6eb66-029e-448d-9af0-b651d8e40665" providerId="ADAL" clId="{B67F58DE-E74C-914B-BBD2-B38B1A3DBC68}" dt="2023-03-28T15:13:26.937" v="656" actId="1076"/>
+          <ac:picMkLst>
+            <pc:docMk/>
+            <pc:sldMk cId="2847678504" sldId="257"/>
+            <ac:picMk id="2050" creationId="{0258830F-5576-CB93-3087-6B10DB0B9F81}"/>
+          </ac:picMkLst>
+        </pc:picChg>
+        <pc:picChg chg="add mod">
+          <ac:chgData name="Achar, Sid" userId="88c6eb66-029e-448d-9af0-b651d8e40665" providerId="ADAL" clId="{B67F58DE-E74C-914B-BBD2-B38B1A3DBC68}" dt="2023-03-28T15:13:26.937" v="656" actId="1076"/>
+          <ac:picMkLst>
+            <pc:docMk/>
+            <pc:sldMk cId="2847678504" sldId="257"/>
+            <ac:picMk id="2052" creationId="{292CE44A-0C7C-56B5-57B4-0ED7F215D054}"/>
+          </ac:picMkLst>
+        </pc:picChg>
+        <pc:picChg chg="add mod">
+          <ac:chgData name="Achar, Sid" userId="88c6eb66-029e-448d-9af0-b651d8e40665" providerId="ADAL" clId="{B67F58DE-E74C-914B-BBD2-B38B1A3DBC68}" dt="2023-03-28T15:13:26.937" v="656" actId="1076"/>
+          <ac:picMkLst>
+            <pc:docMk/>
+            <pc:sldMk cId="2847678504" sldId="257"/>
+            <ac:picMk id="2054" creationId="{1D9EEFEB-5E06-D320-5C14-3D00C44B4E8B}"/>
+          </ac:picMkLst>
+        </pc:picChg>
+        <pc:picChg chg="add mod">
+          <ac:chgData name="Achar, Sid" userId="88c6eb66-029e-448d-9af0-b651d8e40665" providerId="ADAL" clId="{B67F58DE-E74C-914B-BBD2-B38B1A3DBC68}" dt="2023-03-28T15:13:26.937" v="656" actId="1076"/>
+          <ac:picMkLst>
+            <pc:docMk/>
+            <pc:sldMk cId="2847678504" sldId="257"/>
+            <ac:picMk id="2056" creationId="{5F1AD9FB-622A-6BDE-36A6-05B4A6DBD583}"/>
+          </ac:picMkLst>
+        </pc:picChg>
+        <pc:cxnChg chg="add del mod">
+          <ac:chgData name="Achar, Sid" userId="88c6eb66-029e-448d-9af0-b651d8e40665" providerId="ADAL" clId="{B67F58DE-E74C-914B-BBD2-B38B1A3DBC68}" dt="2023-03-28T14:45:55.193" v="294" actId="478"/>
+          <ac:cxnSpMkLst>
+            <pc:docMk/>
+            <pc:sldMk cId="2847678504" sldId="257"/>
+            <ac:cxnSpMk id="8" creationId="{A4D2FE32-A734-13AB-4042-298CA0046E60}"/>
+          </ac:cxnSpMkLst>
+        </pc:cxnChg>
+        <pc:cxnChg chg="add mod topLvl">
+          <ac:chgData name="Achar, Sid" userId="88c6eb66-029e-448d-9af0-b651d8e40665" providerId="ADAL" clId="{B67F58DE-E74C-914B-BBD2-B38B1A3DBC68}" dt="2023-03-28T14:54:10.671" v="336" actId="164"/>
+          <ac:cxnSpMkLst>
+            <pc:docMk/>
+            <pc:sldMk cId="2847678504" sldId="257"/>
+            <ac:cxnSpMk id="13" creationId="{458CB179-345F-60A3-3AF3-2AFEA8F35233}"/>
+          </ac:cxnSpMkLst>
+        </pc:cxnChg>
+        <pc:cxnChg chg="mod">
+          <ac:chgData name="Achar, Sid" userId="88c6eb66-029e-448d-9af0-b651d8e40665" providerId="ADAL" clId="{B67F58DE-E74C-914B-BBD2-B38B1A3DBC68}" dt="2023-03-28T14:56:42.563" v="360"/>
+          <ac:cxnSpMkLst>
+            <pc:docMk/>
+            <pc:sldMk cId="2847678504" sldId="257"/>
+            <ac:cxnSpMk id="31" creationId="{A4CE6A0D-4B8B-7E30-3F86-189C6A612741}"/>
+          </ac:cxnSpMkLst>
+        </pc:cxnChg>
+      </pc:sldChg>
+      <pc:sldChg chg="addSp delSp modSp add mod">
+        <pc:chgData name="Achar, Sid" userId="88c6eb66-029e-448d-9af0-b651d8e40665" providerId="ADAL" clId="{B67F58DE-E74C-914B-BBD2-B38B1A3DBC68}" dt="2023-03-28T19:12:29.230" v="686" actId="478"/>
+        <pc:sldMkLst>
+          <pc:docMk/>
+          <pc:sldMk cId="3321146573" sldId="258"/>
+        </pc:sldMkLst>
+        <pc:spChg chg="add mod topLvl">
+          <ac:chgData name="Achar, Sid" userId="88c6eb66-029e-448d-9af0-b651d8e40665" providerId="ADAL" clId="{B67F58DE-E74C-914B-BBD2-B38B1A3DBC68}" dt="2023-03-28T19:08:17.384" v="681" actId="164"/>
+          <ac:spMkLst>
+            <pc:docMk/>
+            <pc:sldMk cId="3321146573" sldId="258"/>
+            <ac:spMk id="5" creationId="{D8ACB325-B9BA-A950-3AFA-F21FEEE5F693}"/>
+          </ac:spMkLst>
+        </pc:spChg>
+        <pc:spChg chg="add del mod">
+          <ac:chgData name="Achar, Sid" userId="88c6eb66-029e-448d-9af0-b651d8e40665" providerId="ADAL" clId="{B67F58DE-E74C-914B-BBD2-B38B1A3DBC68}" dt="2023-03-28T15:12:07.882" v="648" actId="478"/>
+          <ac:spMkLst>
+            <pc:docMk/>
+            <pc:sldMk cId="3321146573" sldId="258"/>
+            <ac:spMk id="6" creationId="{E196B39E-C3B7-CD66-FD74-E4E863C08CA1}"/>
+          </ac:spMkLst>
+        </pc:spChg>
+        <pc:spChg chg="add del mod">
+          <ac:chgData name="Achar, Sid" userId="88c6eb66-029e-448d-9af0-b651d8e40665" providerId="ADAL" clId="{B67F58DE-E74C-914B-BBD2-B38B1A3DBC68}" dt="2023-03-28T15:12:07.882" v="648" actId="478"/>
+          <ac:spMkLst>
+            <pc:docMk/>
+            <pc:sldMk cId="3321146573" sldId="258"/>
+            <ac:spMk id="7" creationId="{97F7050C-A72A-2632-F3B4-283E633F446E}"/>
+          </ac:spMkLst>
+        </pc:spChg>
+        <pc:spChg chg="add del mod">
+          <ac:chgData name="Achar, Sid" userId="88c6eb66-029e-448d-9af0-b651d8e40665" providerId="ADAL" clId="{B67F58DE-E74C-914B-BBD2-B38B1A3DBC68}" dt="2023-03-28T15:11:11.334" v="627"/>
+          <ac:spMkLst>
+            <pc:docMk/>
+            <pc:sldMk cId="3321146573" sldId="258"/>
+            <ac:spMk id="8" creationId="{8D67004A-8447-2FF2-89EB-771E9CF15BD9}"/>
+          </ac:spMkLst>
+        </pc:spChg>
+        <pc:spChg chg="add del mod">
+          <ac:chgData name="Achar, Sid" userId="88c6eb66-029e-448d-9af0-b651d8e40665" providerId="ADAL" clId="{B67F58DE-E74C-914B-BBD2-B38B1A3DBC68}" dt="2023-03-28T15:11:18.067" v="629"/>
+          <ac:spMkLst>
+            <pc:docMk/>
+            <pc:sldMk cId="3321146573" sldId="258"/>
+            <ac:spMk id="9" creationId="{3145D234-392A-B877-6AD1-94CCAA355B4F}"/>
+          </ac:spMkLst>
+        </pc:spChg>
+        <pc:spChg chg="mod topLvl">
+          <ac:chgData name="Achar, Sid" userId="88c6eb66-029e-448d-9af0-b651d8e40665" providerId="ADAL" clId="{B67F58DE-E74C-914B-BBD2-B38B1A3DBC68}" dt="2023-03-28T19:08:17.384" v="681" actId="164"/>
+          <ac:spMkLst>
+            <pc:docMk/>
+            <pc:sldMk cId="3321146573" sldId="258"/>
+            <ac:spMk id="11" creationId="{931361E8-7604-CB7C-E6FA-7ABE3F69D11E}"/>
+          </ac:spMkLst>
+        </pc:spChg>
+        <pc:spChg chg="mod topLvl">
+          <ac:chgData name="Achar, Sid" userId="88c6eb66-029e-448d-9af0-b651d8e40665" providerId="ADAL" clId="{B67F58DE-E74C-914B-BBD2-B38B1A3DBC68}" dt="2023-03-28T19:08:17.384" v="681" actId="164"/>
+          <ac:spMkLst>
+            <pc:docMk/>
+            <pc:sldMk cId="3321146573" sldId="258"/>
+            <ac:spMk id="13" creationId="{B6DC5A4B-32B8-CE21-2D79-69627CC69D4F}"/>
+          </ac:spMkLst>
+        </pc:spChg>
+        <pc:spChg chg="mod topLvl">
+          <ac:chgData name="Achar, Sid" userId="88c6eb66-029e-448d-9af0-b651d8e40665" providerId="ADAL" clId="{B67F58DE-E74C-914B-BBD2-B38B1A3DBC68}" dt="2023-03-28T19:08:17.384" v="681" actId="164"/>
+          <ac:spMkLst>
+            <pc:docMk/>
+            <pc:sldMk cId="3321146573" sldId="258"/>
+            <ac:spMk id="14" creationId="{E8DBAC77-5AE7-B26F-FCA1-BE16B3EE98B1}"/>
+          </ac:spMkLst>
+        </pc:spChg>
+        <pc:spChg chg="add del mod">
+          <ac:chgData name="Achar, Sid" userId="88c6eb66-029e-448d-9af0-b651d8e40665" providerId="ADAL" clId="{B67F58DE-E74C-914B-BBD2-B38B1A3DBC68}" dt="2023-03-28T15:11:50.260" v="644"/>
+          <ac:spMkLst>
+            <pc:docMk/>
+            <pc:sldMk cId="3321146573" sldId="258"/>
+            <ac:spMk id="16" creationId="{14C50B8F-4F43-5CC1-73F1-D38BC8FDA775}"/>
+          </ac:spMkLst>
+        </pc:spChg>
+        <pc:spChg chg="add del mod">
+          <ac:chgData name="Achar, Sid" userId="88c6eb66-029e-448d-9af0-b651d8e40665" providerId="ADAL" clId="{B67F58DE-E74C-914B-BBD2-B38B1A3DBC68}" dt="2023-03-28T19:12:29.230" v="686" actId="478"/>
+          <ac:spMkLst>
+            <pc:docMk/>
+            <pc:sldMk cId="3321146573" sldId="258"/>
+            <ac:spMk id="21" creationId="{9A58454A-E775-19AF-A580-0BEB3103F67B}"/>
+          </ac:spMkLst>
+        </pc:spChg>
+        <pc:grpChg chg="del">
+          <ac:chgData name="Achar, Sid" userId="88c6eb66-029e-448d-9af0-b651d8e40665" providerId="ADAL" clId="{B67F58DE-E74C-914B-BBD2-B38B1A3DBC68}" dt="2023-03-28T15:05:24.671" v="508" actId="165"/>
+          <ac:grpSpMkLst>
+            <pc:docMk/>
+            <pc:sldMk cId="3321146573" sldId="258"/>
+            <ac:grpSpMk id="15" creationId="{15165907-2F12-A387-625D-1DBFFB010C28}"/>
+          </ac:grpSpMkLst>
+        </pc:grpChg>
+        <pc:grpChg chg="add del mod">
+          <ac:chgData name="Achar, Sid" userId="88c6eb66-029e-448d-9af0-b651d8e40665" providerId="ADAL" clId="{B67F58DE-E74C-914B-BBD2-B38B1A3DBC68}" dt="2023-03-28T19:06:47.797" v="658" actId="165"/>
+          <ac:grpSpMkLst>
+            <pc:docMk/>
+            <pc:sldMk cId="3321146573" sldId="258"/>
+            <ac:grpSpMk id="18" creationId="{62DBD8CE-1FFB-0DC0-952E-A63A93FB6731}"/>
+          </ac:grpSpMkLst>
+        </pc:grpChg>
+        <pc:grpChg chg="add mod">
+          <ac:chgData name="Achar, Sid" userId="88c6eb66-029e-448d-9af0-b651d8e40665" providerId="ADAL" clId="{B67F58DE-E74C-914B-BBD2-B38B1A3DBC68}" dt="2023-03-28T19:08:17.384" v="681" actId="164"/>
+          <ac:grpSpMkLst>
+            <pc:docMk/>
+            <pc:sldMk cId="3321146573" sldId="258"/>
+            <ac:grpSpMk id="20" creationId="{C6C7E236-4325-E0E2-4407-1E68AA25AC1A}"/>
+          </ac:grpSpMkLst>
+        </pc:grpChg>
+        <pc:picChg chg="mod topLvl modCrop">
+          <ac:chgData name="Achar, Sid" userId="88c6eb66-029e-448d-9af0-b651d8e40665" providerId="ADAL" clId="{B67F58DE-E74C-914B-BBD2-B38B1A3DBC68}" dt="2023-03-28T19:08:17.384" v="681" actId="164"/>
+          <ac:picMkLst>
+            <pc:docMk/>
+            <pc:sldMk cId="3321146573" sldId="258"/>
+            <ac:picMk id="2" creationId="{DC1A6178-25D4-9E1E-A39B-26BE2F0EB0C1}"/>
+          </ac:picMkLst>
+        </pc:picChg>
+        <pc:picChg chg="mod topLvl modCrop">
+          <ac:chgData name="Achar, Sid" userId="88c6eb66-029e-448d-9af0-b651d8e40665" providerId="ADAL" clId="{B67F58DE-E74C-914B-BBD2-B38B1A3DBC68}" dt="2023-03-28T19:08:17.384" v="681" actId="164"/>
+          <ac:picMkLst>
+            <pc:docMk/>
+            <pc:sldMk cId="3321146573" sldId="258"/>
+            <ac:picMk id="3" creationId="{515D3FE3-55D1-9659-526E-B93445D38939}"/>
+          </ac:picMkLst>
+        </pc:picChg>
+        <pc:picChg chg="add mod topLvl modCrop">
+          <ac:chgData name="Achar, Sid" userId="88c6eb66-029e-448d-9af0-b651d8e40665" providerId="ADAL" clId="{B67F58DE-E74C-914B-BBD2-B38B1A3DBC68}" dt="2023-03-28T19:08:17.384" v="681" actId="164"/>
+          <ac:picMkLst>
+            <pc:docMk/>
+            <pc:sldMk cId="3321146573" sldId="258"/>
+            <ac:picMk id="4" creationId="{A240D60B-452A-18DA-02ED-D83E1A137B24}"/>
+          </ac:picMkLst>
+        </pc:picChg>
+        <pc:picChg chg="mod topLvl">
+          <ac:chgData name="Achar, Sid" userId="88c6eb66-029e-448d-9af0-b651d8e40665" providerId="ADAL" clId="{B67F58DE-E74C-914B-BBD2-B38B1A3DBC68}" dt="2023-03-28T19:08:17.384" v="681" actId="164"/>
+          <ac:picMkLst>
+            <pc:docMk/>
+            <pc:sldMk cId="3321146573" sldId="258"/>
+            <ac:picMk id="10" creationId="{456F9014-8521-43BA-B2D5-520F374FB808}"/>
+          </ac:picMkLst>
+        </pc:picChg>
+        <pc:picChg chg="add mod topLvl modCrop">
+          <ac:chgData name="Achar, Sid" userId="88c6eb66-029e-448d-9af0-b651d8e40665" providerId="ADAL" clId="{B67F58DE-E74C-914B-BBD2-B38B1A3DBC68}" dt="2023-03-28T19:08:17.384" v="681" actId="164"/>
+          <ac:picMkLst>
+            <pc:docMk/>
+            <pc:sldMk cId="3321146573" sldId="258"/>
+            <ac:picMk id="12" creationId="{86F98363-30C3-452D-6711-B0A60D853CBC}"/>
+          </ac:picMkLst>
+        </pc:picChg>
+        <pc:picChg chg="add mod topLvl modCrop">
+          <ac:chgData name="Achar, Sid" userId="88c6eb66-029e-448d-9af0-b651d8e40665" providerId="ADAL" clId="{B67F58DE-E74C-914B-BBD2-B38B1A3DBC68}" dt="2023-03-28T19:08:17.384" v="681" actId="164"/>
+          <ac:picMkLst>
+            <pc:docMk/>
+            <pc:sldMk cId="3321146573" sldId="258"/>
+            <ac:picMk id="17" creationId="{36225031-7EBD-666F-06B7-39CE79A2CAA8}"/>
+          </ac:picMkLst>
+        </pc:picChg>
+        <pc:picChg chg="add mod modCrop">
+          <ac:chgData name="Achar, Sid" userId="88c6eb66-029e-448d-9af0-b651d8e40665" providerId="ADAL" clId="{B67F58DE-E74C-914B-BBD2-B38B1A3DBC68}" dt="2023-03-28T19:08:17.384" v="681" actId="164"/>
+          <ac:picMkLst>
+            <pc:docMk/>
+            <pc:sldMk cId="3321146573" sldId="258"/>
+            <ac:picMk id="19" creationId="{A130018F-5AC9-32F2-8867-BFF79CAA6121}"/>
+          </ac:picMkLst>
+        </pc:picChg>
+      </pc:sldChg>
+      <pc:sldMasterChg chg="modSp modSldLayout">
+        <pc:chgData name="Achar, Sid" userId="88c6eb66-029e-448d-9af0-b651d8e40665" providerId="ADAL" clId="{B67F58DE-E74C-914B-BBD2-B38B1A3DBC68}" dt="2023-03-28T14:34:26.752" v="151"/>
+        <pc:sldMasterMkLst>
+          <pc:docMk/>
+          <pc:sldMasterMk cId="3605544016" sldId="2147483648"/>
+        </pc:sldMasterMkLst>
+        <pc:spChg chg="mod">
+          <ac:chgData name="Achar, Sid" userId="88c6eb66-029e-448d-9af0-b651d8e40665" providerId="ADAL" clId="{B67F58DE-E74C-914B-BBD2-B38B1A3DBC68}" dt="2023-03-28T14:34:26.752" v="151"/>
+          <ac:spMkLst>
+            <pc:docMk/>
+            <pc:sldMasterMk cId="3605544016" sldId="2147483648"/>
+            <ac:spMk id="2" creationId="{4FED5C7F-DDD1-AC94-AA5E-8E99017FFAC6}"/>
+          </ac:spMkLst>
+        </pc:spChg>
+        <pc:spChg chg="mod">
+          <ac:chgData name="Achar, Sid" userId="88c6eb66-029e-448d-9af0-b651d8e40665" providerId="ADAL" clId="{B67F58DE-E74C-914B-BBD2-B38B1A3DBC68}" dt="2023-03-28T14:34:26.752" v="151"/>
+          <ac:spMkLst>
+            <pc:docMk/>
+            <pc:sldMasterMk cId="3605544016" sldId="2147483648"/>
+            <ac:spMk id="3" creationId="{042A2092-F998-E21C-F5E9-03D437504447}"/>
+          </ac:spMkLst>
+        </pc:spChg>
+        <pc:spChg chg="mod">
+          <ac:chgData name="Achar, Sid" userId="88c6eb66-029e-448d-9af0-b651d8e40665" providerId="ADAL" clId="{B67F58DE-E74C-914B-BBD2-B38B1A3DBC68}" dt="2023-03-28T14:34:26.752" v="151"/>
+          <ac:spMkLst>
+            <pc:docMk/>
+            <pc:sldMasterMk cId="3605544016" sldId="2147483648"/>
+            <ac:spMk id="4" creationId="{21F393BE-11DB-A564-55B6-7DA739E60BD4}"/>
+          </ac:spMkLst>
+        </pc:spChg>
+        <pc:spChg chg="mod">
+          <ac:chgData name="Achar, Sid" userId="88c6eb66-029e-448d-9af0-b651d8e40665" providerId="ADAL" clId="{B67F58DE-E74C-914B-BBD2-B38B1A3DBC68}" dt="2023-03-28T14:34:26.752" v="151"/>
+          <ac:spMkLst>
+            <pc:docMk/>
+            <pc:sldMasterMk cId="3605544016" sldId="2147483648"/>
+            <ac:spMk id="5" creationId="{164473D1-DB50-CEF5-3D0D-2D38CA6C885C}"/>
+          </ac:spMkLst>
+        </pc:spChg>
+        <pc:spChg chg="mod">
+          <ac:chgData name="Achar, Sid" userId="88c6eb66-029e-448d-9af0-b651d8e40665" providerId="ADAL" clId="{B67F58DE-E74C-914B-BBD2-B38B1A3DBC68}" dt="2023-03-28T14:34:26.752" v="151"/>
+          <ac:spMkLst>
+            <pc:docMk/>
+            <pc:sldMasterMk cId="3605544016" sldId="2147483648"/>
+            <ac:spMk id="6" creationId="{3341F84C-3234-87FA-395D-EB52E431669A}"/>
+          </ac:spMkLst>
+        </pc:spChg>
+        <pc:sldLayoutChg chg="modSp">
+          <pc:chgData name="Achar, Sid" userId="88c6eb66-029e-448d-9af0-b651d8e40665" providerId="ADAL" clId="{B67F58DE-E74C-914B-BBD2-B38B1A3DBC68}" dt="2023-03-28T14:34:26.752" v="151"/>
+          <pc:sldLayoutMkLst>
+            <pc:docMk/>
+            <pc:sldMasterMk cId="3605544016" sldId="2147483648"/>
+            <pc:sldLayoutMk cId="3506782876" sldId="2147483649"/>
+          </pc:sldLayoutMkLst>
+          <pc:spChg chg="mod">
+            <ac:chgData name="Achar, Sid" userId="88c6eb66-029e-448d-9af0-b651d8e40665" providerId="ADAL" clId="{B67F58DE-E74C-914B-BBD2-B38B1A3DBC68}" dt="2023-03-28T14:34:26.752" v="151"/>
+            <ac:spMkLst>
+              <pc:docMk/>
+              <pc:sldMasterMk cId="3605544016" sldId="2147483648"/>
+              <pc:sldLayoutMk cId="3506782876" sldId="2147483649"/>
+              <ac:spMk id="2" creationId="{755D99C1-077C-B333-0D10-0C726A5F979B}"/>
+            </ac:spMkLst>
+          </pc:spChg>
+          <pc:spChg chg="mod">
+            <ac:chgData name="Achar, Sid" userId="88c6eb66-029e-448d-9af0-b651d8e40665" providerId="ADAL" clId="{B67F58DE-E74C-914B-BBD2-B38B1A3DBC68}" dt="2023-03-28T14:34:26.752" v="151"/>
+            <ac:spMkLst>
+              <pc:docMk/>
+              <pc:sldMasterMk cId="3605544016" sldId="2147483648"/>
+              <pc:sldLayoutMk cId="3506782876" sldId="2147483649"/>
+              <ac:spMk id="3" creationId="{61E517B7-4934-A574-6DDC-CE260C6AE616}"/>
+            </ac:spMkLst>
+          </pc:spChg>
+        </pc:sldLayoutChg>
+        <pc:sldLayoutChg chg="modSp">
+          <pc:chgData name="Achar, Sid" userId="88c6eb66-029e-448d-9af0-b651d8e40665" providerId="ADAL" clId="{B67F58DE-E74C-914B-BBD2-B38B1A3DBC68}" dt="2023-03-28T14:34:26.752" v="151"/>
+          <pc:sldLayoutMkLst>
+            <pc:docMk/>
+            <pc:sldMasterMk cId="3605544016" sldId="2147483648"/>
+            <pc:sldLayoutMk cId="1908538558" sldId="2147483651"/>
+          </pc:sldLayoutMkLst>
+          <pc:spChg chg="mod">
+            <ac:chgData name="Achar, Sid" userId="88c6eb66-029e-448d-9af0-b651d8e40665" providerId="ADAL" clId="{B67F58DE-E74C-914B-BBD2-B38B1A3DBC68}" dt="2023-03-28T14:34:26.752" v="151"/>
+            <ac:spMkLst>
+              <pc:docMk/>
+              <pc:sldMasterMk cId="3605544016" sldId="2147483648"/>
+              <pc:sldLayoutMk cId="1908538558" sldId="2147483651"/>
+              <ac:spMk id="2" creationId="{5FC313F8-D308-6F4E-123C-A3F0613B7177}"/>
+            </ac:spMkLst>
+          </pc:spChg>
+          <pc:spChg chg="mod">
+            <ac:chgData name="Achar, Sid" userId="88c6eb66-029e-448d-9af0-b651d8e40665" providerId="ADAL" clId="{B67F58DE-E74C-914B-BBD2-B38B1A3DBC68}" dt="2023-03-28T14:34:26.752" v="151"/>
+            <ac:spMkLst>
+              <pc:docMk/>
+              <pc:sldMasterMk cId="3605544016" sldId="2147483648"/>
+              <pc:sldLayoutMk cId="1908538558" sldId="2147483651"/>
+              <ac:spMk id="3" creationId="{621DFE60-FCB0-B832-D8F1-1D7F0985C483}"/>
+            </ac:spMkLst>
+          </pc:spChg>
+        </pc:sldLayoutChg>
+        <pc:sldLayoutChg chg="modSp">
+          <pc:chgData name="Achar, Sid" userId="88c6eb66-029e-448d-9af0-b651d8e40665" providerId="ADAL" clId="{B67F58DE-E74C-914B-BBD2-B38B1A3DBC68}" dt="2023-03-28T14:34:26.752" v="151"/>
+          <pc:sldLayoutMkLst>
+            <pc:docMk/>
+            <pc:sldMasterMk cId="3605544016" sldId="2147483648"/>
+            <pc:sldLayoutMk cId="2207470870" sldId="2147483652"/>
+          </pc:sldLayoutMkLst>
+          <pc:spChg chg="mod">
+            <ac:chgData name="Achar, Sid" userId="88c6eb66-029e-448d-9af0-b651d8e40665" providerId="ADAL" clId="{B67F58DE-E74C-914B-BBD2-B38B1A3DBC68}" dt="2023-03-28T14:34:26.752" v="151"/>
+            <ac:spMkLst>
+              <pc:docMk/>
+              <pc:sldMasterMk cId="3605544016" sldId="2147483648"/>
+              <pc:sldLayoutMk cId="2207470870" sldId="2147483652"/>
+              <ac:spMk id="3" creationId="{669E9CDB-7E41-1217-AAC6-5D318E362BE7}"/>
+            </ac:spMkLst>
+          </pc:spChg>
+          <pc:spChg chg="mod">
+            <ac:chgData name="Achar, Sid" userId="88c6eb66-029e-448d-9af0-b651d8e40665" providerId="ADAL" clId="{B67F58DE-E74C-914B-BBD2-B38B1A3DBC68}" dt="2023-03-28T14:34:26.752" v="151"/>
+            <ac:spMkLst>
+              <pc:docMk/>
+              <pc:sldMasterMk cId="3605544016" sldId="2147483648"/>
+              <pc:sldLayoutMk cId="2207470870" sldId="2147483652"/>
+              <ac:spMk id="4" creationId="{1416E427-733F-2B3C-5F62-C477386A5A4D}"/>
+            </ac:spMkLst>
+          </pc:spChg>
+        </pc:sldLayoutChg>
+        <pc:sldLayoutChg chg="modSp">
+          <pc:chgData name="Achar, Sid" userId="88c6eb66-029e-448d-9af0-b651d8e40665" providerId="ADAL" clId="{B67F58DE-E74C-914B-BBD2-B38B1A3DBC68}" dt="2023-03-28T14:34:26.752" v="151"/>
+          <pc:sldLayoutMkLst>
+            <pc:docMk/>
+            <pc:sldMasterMk cId="3605544016" sldId="2147483648"/>
+            <pc:sldLayoutMk cId="348395536" sldId="2147483653"/>
+          </pc:sldLayoutMkLst>
+          <pc:spChg chg="mod">
+            <ac:chgData name="Achar, Sid" userId="88c6eb66-029e-448d-9af0-b651d8e40665" providerId="ADAL" clId="{B67F58DE-E74C-914B-BBD2-B38B1A3DBC68}" dt="2023-03-28T14:34:26.752" v="151"/>
+            <ac:spMkLst>
+              <pc:docMk/>
+              <pc:sldMasterMk cId="3605544016" sldId="2147483648"/>
+              <pc:sldLayoutMk cId="348395536" sldId="2147483653"/>
+              <ac:spMk id="2" creationId="{6139232E-2CC3-9E68-F85E-B1F0F59DBFBC}"/>
+            </ac:spMkLst>
+          </pc:spChg>
+          <pc:spChg chg="mod">
+            <ac:chgData name="Achar, Sid" userId="88c6eb66-029e-448d-9af0-b651d8e40665" providerId="ADAL" clId="{B67F58DE-E74C-914B-BBD2-B38B1A3DBC68}" dt="2023-03-28T14:34:26.752" v="151"/>
+            <ac:spMkLst>
+              <pc:docMk/>
+              <pc:sldMasterMk cId="3605544016" sldId="2147483648"/>
+              <pc:sldLayoutMk cId="348395536" sldId="2147483653"/>
+              <ac:spMk id="3" creationId="{7E8CD502-D199-1650-5DA3-E0349C88D3F3}"/>
+            </ac:spMkLst>
+          </pc:spChg>
+          <pc:spChg chg="mod">
+            <ac:chgData name="Achar, Sid" userId="88c6eb66-029e-448d-9af0-b651d8e40665" providerId="ADAL" clId="{B67F58DE-E74C-914B-BBD2-B38B1A3DBC68}" dt="2023-03-28T14:34:26.752" v="151"/>
+            <ac:spMkLst>
+              <pc:docMk/>
+              <pc:sldMasterMk cId="3605544016" sldId="2147483648"/>
+              <pc:sldLayoutMk cId="348395536" sldId="2147483653"/>
+              <ac:spMk id="4" creationId="{1678C435-6775-A0EE-6605-8D8F90301BF7}"/>
+            </ac:spMkLst>
+          </pc:spChg>
+          <pc:spChg chg="mod">
+            <ac:chgData name="Achar, Sid" userId="88c6eb66-029e-448d-9af0-b651d8e40665" providerId="ADAL" clId="{B67F58DE-E74C-914B-BBD2-B38B1A3DBC68}" dt="2023-03-28T14:34:26.752" v="151"/>
+            <ac:spMkLst>
+              <pc:docMk/>
+              <pc:sldMasterMk cId="3605544016" sldId="2147483648"/>
+              <pc:sldLayoutMk cId="348395536" sldId="2147483653"/>
+              <ac:spMk id="5" creationId="{E8381F47-C8A6-9A00-0C99-0E019F67B6C3}"/>
+            </ac:spMkLst>
+          </pc:spChg>
+          <pc:spChg chg="mod">
+            <ac:chgData name="Achar, Sid" userId="88c6eb66-029e-448d-9af0-b651d8e40665" providerId="ADAL" clId="{B67F58DE-E74C-914B-BBD2-B38B1A3DBC68}" dt="2023-03-28T14:34:26.752" v="151"/>
+            <ac:spMkLst>
+              <pc:docMk/>
+              <pc:sldMasterMk cId="3605544016" sldId="2147483648"/>
+              <pc:sldLayoutMk cId="348395536" sldId="2147483653"/>
+              <ac:spMk id="6" creationId="{B7375B9A-FE4B-A6B4-9128-0A8F9904B1B2}"/>
+            </ac:spMkLst>
+          </pc:spChg>
+        </pc:sldLayoutChg>
+        <pc:sldLayoutChg chg="modSp">
+          <pc:chgData name="Achar, Sid" userId="88c6eb66-029e-448d-9af0-b651d8e40665" providerId="ADAL" clId="{B67F58DE-E74C-914B-BBD2-B38B1A3DBC68}" dt="2023-03-28T14:34:26.752" v="151"/>
+          <pc:sldLayoutMkLst>
+            <pc:docMk/>
+            <pc:sldMasterMk cId="3605544016" sldId="2147483648"/>
+            <pc:sldLayoutMk cId="1890187203" sldId="2147483656"/>
+          </pc:sldLayoutMkLst>
+          <pc:spChg chg="mod">
+            <ac:chgData name="Achar, Sid" userId="88c6eb66-029e-448d-9af0-b651d8e40665" providerId="ADAL" clId="{B67F58DE-E74C-914B-BBD2-B38B1A3DBC68}" dt="2023-03-28T14:34:26.752" v="151"/>
+            <ac:spMkLst>
+              <pc:docMk/>
+              <pc:sldMasterMk cId="3605544016" sldId="2147483648"/>
+              <pc:sldLayoutMk cId="1890187203" sldId="2147483656"/>
+              <ac:spMk id="2" creationId="{8D4668CF-3670-7E2B-AE09-FFEAD1D35953}"/>
+            </ac:spMkLst>
+          </pc:spChg>
+          <pc:spChg chg="mod">
+            <ac:chgData name="Achar, Sid" userId="88c6eb66-029e-448d-9af0-b651d8e40665" providerId="ADAL" clId="{B67F58DE-E74C-914B-BBD2-B38B1A3DBC68}" dt="2023-03-28T14:34:26.752" v="151"/>
+            <ac:spMkLst>
+              <pc:docMk/>
+              <pc:sldMasterMk cId="3605544016" sldId="2147483648"/>
+              <pc:sldLayoutMk cId="1890187203" sldId="2147483656"/>
+              <ac:spMk id="3" creationId="{1D504440-1A1C-8A2C-A3DB-ADEE9C375B1B}"/>
+            </ac:spMkLst>
+          </pc:spChg>
+          <pc:spChg chg="mod">
+            <ac:chgData name="Achar, Sid" userId="88c6eb66-029e-448d-9af0-b651d8e40665" providerId="ADAL" clId="{B67F58DE-E74C-914B-BBD2-B38B1A3DBC68}" dt="2023-03-28T14:34:26.752" v="151"/>
+            <ac:spMkLst>
+              <pc:docMk/>
+              <pc:sldMasterMk cId="3605544016" sldId="2147483648"/>
+              <pc:sldLayoutMk cId="1890187203" sldId="2147483656"/>
+              <ac:spMk id="4" creationId="{3EACA2E1-6D63-E9F3-7C28-D3AC6306EB83}"/>
+            </ac:spMkLst>
+          </pc:spChg>
+        </pc:sldLayoutChg>
+        <pc:sldLayoutChg chg="modSp">
+          <pc:chgData name="Achar, Sid" userId="88c6eb66-029e-448d-9af0-b651d8e40665" providerId="ADAL" clId="{B67F58DE-E74C-914B-BBD2-B38B1A3DBC68}" dt="2023-03-28T14:34:26.752" v="151"/>
+          <pc:sldLayoutMkLst>
+            <pc:docMk/>
+            <pc:sldMasterMk cId="3605544016" sldId="2147483648"/>
+            <pc:sldLayoutMk cId="1927148873" sldId="2147483657"/>
+          </pc:sldLayoutMkLst>
+          <pc:spChg chg="mod">
+            <ac:chgData name="Achar, Sid" userId="88c6eb66-029e-448d-9af0-b651d8e40665" providerId="ADAL" clId="{B67F58DE-E74C-914B-BBD2-B38B1A3DBC68}" dt="2023-03-28T14:34:26.752" v="151"/>
+            <ac:spMkLst>
+              <pc:docMk/>
+              <pc:sldMasterMk cId="3605544016" sldId="2147483648"/>
+              <pc:sldLayoutMk cId="1927148873" sldId="2147483657"/>
+              <ac:spMk id="2" creationId="{7F204FCE-9DA3-0E3B-EF40-C5241F8E8378}"/>
+            </ac:spMkLst>
+          </pc:spChg>
+          <pc:spChg chg="mod">
+            <ac:chgData name="Achar, Sid" userId="88c6eb66-029e-448d-9af0-b651d8e40665" providerId="ADAL" clId="{B67F58DE-E74C-914B-BBD2-B38B1A3DBC68}" dt="2023-03-28T14:34:26.752" v="151"/>
+            <ac:spMkLst>
+              <pc:docMk/>
+              <pc:sldMasterMk cId="3605544016" sldId="2147483648"/>
+              <pc:sldLayoutMk cId="1927148873" sldId="2147483657"/>
+              <ac:spMk id="3" creationId="{7401FE80-D2DA-E8F7-FD57-893E1AB0D20D}"/>
+            </ac:spMkLst>
+          </pc:spChg>
+          <pc:spChg chg="mod">
+            <ac:chgData name="Achar, Sid" userId="88c6eb66-029e-448d-9af0-b651d8e40665" providerId="ADAL" clId="{B67F58DE-E74C-914B-BBD2-B38B1A3DBC68}" dt="2023-03-28T14:34:26.752" v="151"/>
+            <ac:spMkLst>
+              <pc:docMk/>
+              <pc:sldMasterMk cId="3605544016" sldId="2147483648"/>
+              <pc:sldLayoutMk cId="1927148873" sldId="2147483657"/>
+              <ac:spMk id="4" creationId="{52076E87-71B1-6B53-D336-137386D455D2}"/>
+            </ac:spMkLst>
+          </pc:spChg>
+        </pc:sldLayoutChg>
+        <pc:sldLayoutChg chg="modSp">
+          <pc:chgData name="Achar, Sid" userId="88c6eb66-029e-448d-9af0-b651d8e40665" providerId="ADAL" clId="{B67F58DE-E74C-914B-BBD2-B38B1A3DBC68}" dt="2023-03-28T14:34:26.752" v="151"/>
+          <pc:sldLayoutMkLst>
+            <pc:docMk/>
+            <pc:sldMasterMk cId="3605544016" sldId="2147483648"/>
+            <pc:sldLayoutMk cId="2374983601" sldId="2147483659"/>
+          </pc:sldLayoutMkLst>
+          <pc:spChg chg="mod">
+            <ac:chgData name="Achar, Sid" userId="88c6eb66-029e-448d-9af0-b651d8e40665" providerId="ADAL" clId="{B67F58DE-E74C-914B-BBD2-B38B1A3DBC68}" dt="2023-03-28T14:34:26.752" v="151"/>
+            <ac:spMkLst>
+              <pc:docMk/>
+              <pc:sldMasterMk cId="3605544016" sldId="2147483648"/>
+              <pc:sldLayoutMk cId="2374983601" sldId="2147483659"/>
+              <ac:spMk id="2" creationId="{680757F0-79DD-0F0D-C4A9-FAD45AA36036}"/>
+            </ac:spMkLst>
+          </pc:spChg>
+          <pc:spChg chg="mod">
+            <ac:chgData name="Achar, Sid" userId="88c6eb66-029e-448d-9af0-b651d8e40665" providerId="ADAL" clId="{B67F58DE-E74C-914B-BBD2-B38B1A3DBC68}" dt="2023-03-28T14:34:26.752" v="151"/>
+            <ac:spMkLst>
+              <pc:docMk/>
+              <pc:sldMasterMk cId="3605544016" sldId="2147483648"/>
+              <pc:sldLayoutMk cId="2374983601" sldId="2147483659"/>
+              <ac:spMk id="3" creationId="{49071A35-C0CF-A22A-5705-8A7080A31F66}"/>
+            </ac:spMkLst>
+          </pc:spChg>
+        </pc:sldLayoutChg>
+      </pc:sldMasterChg>
     </pc:docChg>
   </pc:docChgLst>
 </pc:chgInfo>
@@ -1104,7 +2018,7 @@
         </p:nvSpPr>
         <p:spPr>
           <a:xfrm>
-            <a:off x="831850" y="1709738"/>
+            <a:off x="831850" y="1709739"/>
             <a:ext cx="10515600" cy="2852737"/>
           </a:xfrm>
         </p:spPr>
@@ -1141,7 +2055,7 @@
         </p:nvSpPr>
         <p:spPr>
           <a:xfrm>
-            <a:off x="831850" y="4589463"/>
+            <a:off x="831850" y="4589464"/>
             <a:ext cx="10515600" cy="1500187"/>
           </a:xfrm>
         </p:spPr>
@@ -1644,7 +2558,7 @@
         </p:nvSpPr>
         <p:spPr>
           <a:xfrm>
-            <a:off x="839788" y="365125"/>
+            <a:off x="839788" y="365126"/>
             <a:ext cx="10515600" cy="1325563"/>
           </a:xfrm>
         </p:spPr>
@@ -1677,7 +2591,7 @@
         </p:nvSpPr>
         <p:spPr>
           <a:xfrm>
-            <a:off x="839788" y="1681163"/>
+            <a:off x="839790" y="1681163"/>
             <a:ext cx="5157787" cy="823912"/>
           </a:xfrm>
         </p:spPr>
@@ -1748,7 +2662,7 @@
         </p:nvSpPr>
         <p:spPr>
           <a:xfrm>
-            <a:off x="839788" y="2505075"/>
+            <a:off x="839790" y="2505075"/>
             <a:ext cx="5157787" cy="3684588"/>
           </a:xfrm>
         </p:spPr>
@@ -2310,7 +3224,7 @@
         </p:nvSpPr>
         <p:spPr>
           <a:xfrm>
-            <a:off x="839788" y="457200"/>
+            <a:off x="839790" y="457200"/>
             <a:ext cx="3932237" cy="1600200"/>
           </a:xfrm>
         </p:spPr>
@@ -2347,7 +3261,7 @@
         </p:nvSpPr>
         <p:spPr>
           <a:xfrm>
-            <a:off x="5183188" y="987425"/>
+            <a:off x="5183188" y="987426"/>
             <a:ext cx="6172200" cy="4873625"/>
           </a:xfrm>
         </p:spPr>
@@ -2437,7 +3351,7 @@
         </p:nvSpPr>
         <p:spPr>
           <a:xfrm>
-            <a:off x="839788" y="2057400"/>
+            <a:off x="839790" y="2057400"/>
             <a:ext cx="3932237" cy="3811588"/>
           </a:xfrm>
         </p:spPr>
@@ -2621,7 +3535,7 @@
         </p:nvSpPr>
         <p:spPr>
           <a:xfrm>
-            <a:off x="839788" y="457200"/>
+            <a:off x="839790" y="457200"/>
             <a:ext cx="3932237" cy="1600200"/>
           </a:xfrm>
         </p:spPr>
@@ -2658,7 +3572,7 @@
         </p:nvSpPr>
         <p:spPr>
           <a:xfrm>
-            <a:off x="5183188" y="987425"/>
+            <a:off x="5183188" y="987426"/>
             <a:ext cx="6172200" cy="4873625"/>
           </a:xfrm>
         </p:spPr>
@@ -2725,7 +3639,7 @@
         </p:nvSpPr>
         <p:spPr>
           <a:xfrm>
-            <a:off x="839788" y="2057400"/>
+            <a:off x="839790" y="2057400"/>
             <a:ext cx="3932237" cy="3811588"/>
           </a:xfrm>
         </p:spPr>
@@ -2914,7 +3828,7 @@
         </p:nvSpPr>
         <p:spPr>
           <a:xfrm>
-            <a:off x="838200" y="365125"/>
+            <a:off x="838200" y="365126"/>
             <a:ext cx="10515600" cy="1325563"/>
           </a:xfrm>
           <a:prstGeom prst="rect">
@@ -3019,7 +3933,7 @@
         </p:nvSpPr>
         <p:spPr>
           <a:xfrm>
-            <a:off x="838200" y="6356350"/>
+            <a:off x="838200" y="6356351"/>
             <a:ext cx="2743200" cy="365125"/>
           </a:xfrm>
           <a:prstGeom prst="rect">
@@ -3066,7 +3980,7 @@
         </p:nvSpPr>
         <p:spPr>
           <a:xfrm>
-            <a:off x="4038600" y="6356350"/>
+            <a:off x="4038600" y="6356351"/>
             <a:ext cx="4114800" cy="365125"/>
           </a:xfrm>
           <a:prstGeom prst="rect">
@@ -3109,7 +4023,7 @@
         </p:nvSpPr>
         <p:spPr>
           <a:xfrm>
-            <a:off x="8610600" y="6356350"/>
+            <a:off x="8610600" y="6356351"/>
             <a:ext cx="2743200" cy="365125"/>
           </a:xfrm>
           <a:prstGeom prst="rect">
@@ -3714,6 +4628,1696 @@
 </p:sld>
 </file>
 
+<file path=ppt/slides/slide2.xml><?xml version="1.0" encoding="utf-8"?>
+<p:sld xmlns:a="http://schemas.openxmlformats.org/drawingml/2006/main" xmlns:r="http://schemas.openxmlformats.org/officeDocument/2006/relationships" xmlns:p="http://schemas.openxmlformats.org/presentationml/2006/main">
+  <p:cSld>
+    <p:spTree>
+      <p:nvGrpSpPr>
+        <p:cNvPr id="1" name=""/>
+        <p:cNvGrpSpPr/>
+        <p:nvPr/>
+      </p:nvGrpSpPr>
+      <p:grpSpPr>
+        <a:xfrm>
+          <a:off x="0" y="0"/>
+          <a:ext cx="0" cy="0"/>
+          <a:chOff x="0" y="0"/>
+          <a:chExt cx="0" cy="0"/>
+        </a:xfrm>
+      </p:grpSpPr>
+      <p:grpSp>
+        <p:nvGrpSpPr>
+          <p:cNvPr id="20" name="Group 19">
+            <a:extLst>
+              <a:ext uri="{FF2B5EF4-FFF2-40B4-BE49-F238E27FC236}">
+                <a16:creationId xmlns:a16="http://schemas.microsoft.com/office/drawing/2014/main" id="{C6C7E236-4325-E0E2-4407-1E68AA25AC1A}"/>
+              </a:ext>
+            </a:extLst>
+          </p:cNvPr>
+          <p:cNvGrpSpPr/>
+          <p:nvPr/>
+        </p:nvGrpSpPr>
+        <p:grpSpPr>
+          <a:xfrm>
+            <a:off x="228600" y="660400"/>
+            <a:ext cx="11506199" cy="4648200"/>
+            <a:chOff x="228600" y="660400"/>
+            <a:chExt cx="11506199" cy="4648200"/>
+          </a:xfrm>
+        </p:grpSpPr>
+        <p:sp>
+          <p:nvSpPr>
+            <p:cNvPr id="14" name="Rectangle 13">
+              <a:extLst>
+                <a:ext uri="{FF2B5EF4-FFF2-40B4-BE49-F238E27FC236}">
+                  <a16:creationId xmlns:a16="http://schemas.microsoft.com/office/drawing/2014/main" id="{E8DBAC77-5AE7-B26F-FCA1-BE16B3EE98B1}"/>
+                </a:ext>
+              </a:extLst>
+            </p:cNvPr>
+            <p:cNvSpPr/>
+            <p:nvPr/>
+          </p:nvSpPr>
+          <p:spPr>
+            <a:xfrm>
+              <a:off x="228600" y="660400"/>
+              <a:ext cx="11506199" cy="4648200"/>
+            </a:xfrm>
+            <a:prstGeom prst="rect">
+              <a:avLst/>
+            </a:prstGeom>
+            <a:solidFill>
+              <a:schemeClr val="bg1"/>
+            </a:solidFill>
+            <a:ln>
+              <a:noFill/>
+            </a:ln>
+          </p:spPr>
+          <p:style>
+            <a:lnRef idx="2">
+              <a:schemeClr val="accent1">
+                <a:shade val="50000"/>
+              </a:schemeClr>
+            </a:lnRef>
+            <a:fillRef idx="1">
+              <a:schemeClr val="accent1"/>
+            </a:fillRef>
+            <a:effectRef idx="0">
+              <a:schemeClr val="accent1"/>
+            </a:effectRef>
+            <a:fontRef idx="minor">
+              <a:schemeClr val="lt1"/>
+            </a:fontRef>
+          </p:style>
+          <p:txBody>
+            <a:bodyPr rtlCol="0" anchor="ctr"/>
+            <a:lstStyle/>
+            <a:p>
+              <a:pPr algn="ctr"/>
+              <a:endParaRPr lang="en-US"/>
+            </a:p>
+          </p:txBody>
+        </p:sp>
+        <p:pic>
+          <p:nvPicPr>
+            <p:cNvPr id="2" name="Picture 1">
+              <a:extLst>
+                <a:ext uri="{FF2B5EF4-FFF2-40B4-BE49-F238E27FC236}">
+                  <a16:creationId xmlns:a16="http://schemas.microsoft.com/office/drawing/2014/main" id="{DC1A6178-25D4-9E1E-A39B-26BE2F0EB0C1}"/>
+                </a:ext>
+              </a:extLst>
+            </p:cNvPr>
+            <p:cNvPicPr>
+              <a:picLocks noChangeAspect="1"/>
+            </p:cNvPicPr>
+            <p:nvPr/>
+          </p:nvPicPr>
+          <p:blipFill rotWithShape="1">
+            <a:blip r:embed="rId2"/>
+            <a:srcRect r="69609"/>
+            <a:stretch/>
+          </p:blipFill>
+          <p:spPr>
+            <a:xfrm>
+              <a:off x="3190618" y="1381278"/>
+              <a:ext cx="2841261" cy="3206224"/>
+            </a:xfrm>
+            <a:prstGeom prst="rect">
+              <a:avLst/>
+            </a:prstGeom>
+          </p:spPr>
+        </p:pic>
+        <p:pic>
+          <p:nvPicPr>
+            <p:cNvPr id="3" name="Picture 2">
+              <a:extLst>
+                <a:ext uri="{FF2B5EF4-FFF2-40B4-BE49-F238E27FC236}">
+                  <a16:creationId xmlns:a16="http://schemas.microsoft.com/office/drawing/2014/main" id="{515D3FE3-55D1-9659-526E-B93445D38939}"/>
+                </a:ext>
+              </a:extLst>
+            </p:cNvPr>
+            <p:cNvPicPr>
+              <a:picLocks noChangeAspect="1"/>
+            </p:cNvPicPr>
+            <p:nvPr/>
+          </p:nvPicPr>
+          <p:blipFill rotWithShape="1">
+            <a:blip r:embed="rId3"/>
+            <a:srcRect l="31160" r="-1"/>
+            <a:stretch/>
+          </p:blipFill>
+          <p:spPr>
+            <a:xfrm>
+              <a:off x="7136940" y="2933590"/>
+              <a:ext cx="4143500" cy="2064180"/>
+            </a:xfrm>
+            <a:prstGeom prst="rect">
+              <a:avLst/>
+            </a:prstGeom>
+          </p:spPr>
+        </p:pic>
+        <p:pic>
+          <p:nvPicPr>
+            <p:cNvPr id="10" name="Picture 9" descr="Chart&#10;&#10;Description automatically generated">
+              <a:extLst>
+                <a:ext uri="{FF2B5EF4-FFF2-40B4-BE49-F238E27FC236}">
+                  <a16:creationId xmlns:a16="http://schemas.microsoft.com/office/drawing/2014/main" id="{456F9014-8521-43BA-B2D5-520F374FB808}"/>
+                </a:ext>
+              </a:extLst>
+            </p:cNvPr>
+            <p:cNvPicPr>
+              <a:picLocks noChangeAspect="1"/>
+            </p:cNvPicPr>
+            <p:nvPr/>
+          </p:nvPicPr>
+          <p:blipFill rotWithShape="1">
+            <a:blip r:embed="rId4"/>
+            <a:srcRect l="12755" t="16477" r="23342" b="10054"/>
+            <a:stretch/>
+          </p:blipFill>
+          <p:spPr>
+            <a:xfrm>
+              <a:off x="909567" y="1731210"/>
+              <a:ext cx="2439378" cy="2673089"/>
+            </a:xfrm>
+            <a:prstGeom prst="rect">
+              <a:avLst/>
+            </a:prstGeom>
+          </p:spPr>
+        </p:pic>
+        <p:sp>
+          <p:nvSpPr>
+            <p:cNvPr id="11" name="TextBox 10">
+              <a:extLst>
+                <a:ext uri="{FF2B5EF4-FFF2-40B4-BE49-F238E27FC236}">
+                  <a16:creationId xmlns:a16="http://schemas.microsoft.com/office/drawing/2014/main" id="{931361E8-7604-CB7C-E6FA-7ABE3F69D11E}"/>
+                </a:ext>
+              </a:extLst>
+            </p:cNvPr>
+            <p:cNvSpPr txBox="1"/>
+            <p:nvPr/>
+          </p:nvSpPr>
+          <p:spPr>
+            <a:xfrm>
+              <a:off x="658819" y="934862"/>
+              <a:ext cx="809468" cy="461665"/>
+            </a:xfrm>
+            <a:prstGeom prst="rect">
+              <a:avLst/>
+            </a:prstGeom>
+            <a:noFill/>
+          </p:spPr>
+          <p:txBody>
+            <a:bodyPr wrap="square" rtlCol="0">
+              <a:spAutoFit/>
+            </a:bodyPr>
+            <a:lstStyle/>
+            <a:p>
+              <a:pPr algn="ctr"/>
+              <a:r>
+                <a:rPr lang="en-US" sz="2400" dirty="0">
+                  <a:latin typeface="DEJAVU SANS" panose="020B0603030804020204" pitchFamily="34" charset="0"/>
+                  <a:ea typeface="DEJAVU SANS" panose="020B0603030804020204" pitchFamily="34" charset="0"/>
+                  <a:cs typeface="DEJAVU SANS" panose="020B0603030804020204" pitchFamily="34" charset="0"/>
+                </a:rPr>
+                <a:t>(a)</a:t>
+              </a:r>
+            </a:p>
+          </p:txBody>
+        </p:sp>
+        <p:sp>
+          <p:nvSpPr>
+            <p:cNvPr id="13" name="TextBox 12">
+              <a:extLst>
+                <a:ext uri="{FF2B5EF4-FFF2-40B4-BE49-F238E27FC236}">
+                  <a16:creationId xmlns:a16="http://schemas.microsoft.com/office/drawing/2014/main" id="{B6DC5A4B-32B8-CE21-2D79-69627CC69D4F}"/>
+                </a:ext>
+              </a:extLst>
+            </p:cNvPr>
+            <p:cNvSpPr txBox="1"/>
+            <p:nvPr/>
+          </p:nvSpPr>
+          <p:spPr>
+            <a:xfrm>
+              <a:off x="3216465" y="934862"/>
+              <a:ext cx="809468" cy="461665"/>
+            </a:xfrm>
+            <a:prstGeom prst="rect">
+              <a:avLst/>
+            </a:prstGeom>
+            <a:noFill/>
+          </p:spPr>
+          <p:txBody>
+            <a:bodyPr wrap="square" rtlCol="0">
+              <a:spAutoFit/>
+            </a:bodyPr>
+            <a:lstStyle/>
+            <a:p>
+              <a:pPr algn="ctr"/>
+              <a:r>
+                <a:rPr lang="en-US" sz="2400" dirty="0">
+                  <a:latin typeface="DEJAVU SANS" panose="020B0603030804020204" pitchFamily="34" charset="0"/>
+                  <a:ea typeface="DEJAVU SANS" panose="020B0603030804020204" pitchFamily="34" charset="0"/>
+                  <a:cs typeface="DEJAVU SANS" panose="020B0603030804020204" pitchFamily="34" charset="0"/>
+                </a:rPr>
+                <a:t>(b)</a:t>
+              </a:r>
+            </a:p>
+          </p:txBody>
+        </p:sp>
+        <p:pic>
+          <p:nvPicPr>
+            <p:cNvPr id="4" name="Picture 3">
+              <a:extLst>
+                <a:ext uri="{FF2B5EF4-FFF2-40B4-BE49-F238E27FC236}">
+                  <a16:creationId xmlns:a16="http://schemas.microsoft.com/office/drawing/2014/main" id="{A240D60B-452A-18DA-02ED-D83E1A137B24}"/>
+                </a:ext>
+              </a:extLst>
+            </p:cNvPr>
+            <p:cNvPicPr>
+              <a:picLocks noChangeAspect="1"/>
+            </p:cNvPicPr>
+            <p:nvPr/>
+          </p:nvPicPr>
+          <p:blipFill rotWithShape="1">
+            <a:blip r:embed="rId2"/>
+            <a:srcRect l="30228" r="-3891"/>
+            <a:stretch/>
+          </p:blipFill>
+          <p:spPr>
+            <a:xfrm>
+              <a:off x="7084628" y="877178"/>
+              <a:ext cx="4417045" cy="2056412"/>
+            </a:xfrm>
+            <a:prstGeom prst="rect">
+              <a:avLst/>
+            </a:prstGeom>
+          </p:spPr>
+        </p:pic>
+        <p:sp>
+          <p:nvSpPr>
+            <p:cNvPr id="5" name="TextBox 4">
+              <a:extLst>
+                <a:ext uri="{FF2B5EF4-FFF2-40B4-BE49-F238E27FC236}">
+                  <a16:creationId xmlns:a16="http://schemas.microsoft.com/office/drawing/2014/main" id="{D8ACB325-B9BA-A950-3AFA-F21FEEE5F693}"/>
+                </a:ext>
+              </a:extLst>
+            </p:cNvPr>
+            <p:cNvSpPr txBox="1"/>
+            <p:nvPr/>
+          </p:nvSpPr>
+          <p:spPr>
+            <a:xfrm>
+              <a:off x="6502231" y="934862"/>
+              <a:ext cx="809468" cy="461665"/>
+            </a:xfrm>
+            <a:prstGeom prst="rect">
+              <a:avLst/>
+            </a:prstGeom>
+            <a:noFill/>
+          </p:spPr>
+          <p:txBody>
+            <a:bodyPr wrap="square" rtlCol="0">
+              <a:spAutoFit/>
+            </a:bodyPr>
+            <a:lstStyle/>
+            <a:p>
+              <a:pPr algn="ctr"/>
+              <a:r>
+                <a:rPr lang="en-US" sz="2400" dirty="0">
+                  <a:latin typeface="DEJAVU SANS" panose="020B0603030804020204" pitchFamily="34" charset="0"/>
+                  <a:ea typeface="DEJAVU SANS" panose="020B0603030804020204" pitchFamily="34" charset="0"/>
+                  <a:cs typeface="DEJAVU SANS" panose="020B0603030804020204" pitchFamily="34" charset="0"/>
+                </a:rPr>
+                <a:t>(c)</a:t>
+              </a:r>
+            </a:p>
+          </p:txBody>
+        </p:sp>
+        <p:pic>
+          <p:nvPicPr>
+            <p:cNvPr id="12" name="Picture 11">
+              <a:extLst>
+                <a:ext uri="{FF2B5EF4-FFF2-40B4-BE49-F238E27FC236}">
+                  <a16:creationId xmlns:a16="http://schemas.microsoft.com/office/drawing/2014/main" id="{86F98363-30C3-452D-6711-B0A60D853CBC}"/>
+                </a:ext>
+              </a:extLst>
+            </p:cNvPr>
+            <p:cNvPicPr>
+              <a:picLocks noChangeAspect="1"/>
+            </p:cNvPicPr>
+            <p:nvPr/>
+          </p:nvPicPr>
+          <p:blipFill rotWithShape="1">
+            <a:blip r:embed="rId5"/>
+            <a:srcRect b="23670"/>
+            <a:stretch/>
+          </p:blipFill>
+          <p:spPr>
+            <a:xfrm>
+              <a:off x="7553916" y="2933590"/>
+              <a:ext cx="1016000" cy="271428"/>
+            </a:xfrm>
+            <a:prstGeom prst="rect">
+              <a:avLst/>
+            </a:prstGeom>
+          </p:spPr>
+        </p:pic>
+        <p:pic>
+          <p:nvPicPr>
+            <p:cNvPr id="17" name="Picture 16">
+              <a:extLst>
+                <a:ext uri="{FF2B5EF4-FFF2-40B4-BE49-F238E27FC236}">
+                  <a16:creationId xmlns:a16="http://schemas.microsoft.com/office/drawing/2014/main" id="{36225031-7EBD-666F-06B7-39CE79A2CAA8}"/>
+                </a:ext>
+              </a:extLst>
+            </p:cNvPr>
+            <p:cNvPicPr>
+              <a:picLocks noChangeAspect="1"/>
+            </p:cNvPicPr>
+            <p:nvPr/>
+          </p:nvPicPr>
+          <p:blipFill rotWithShape="1">
+            <a:blip r:embed="rId6"/>
+            <a:srcRect b="23670"/>
+            <a:stretch/>
+          </p:blipFill>
+          <p:spPr>
+            <a:xfrm>
+              <a:off x="7376116" y="869410"/>
+              <a:ext cx="1371600" cy="271428"/>
+            </a:xfrm>
+            <a:prstGeom prst="rect">
+              <a:avLst/>
+            </a:prstGeom>
+          </p:spPr>
+        </p:pic>
+        <p:pic>
+          <p:nvPicPr>
+            <p:cNvPr id="19" name="Picture 18">
+              <a:extLst>
+                <a:ext uri="{FF2B5EF4-FFF2-40B4-BE49-F238E27FC236}">
+                  <a16:creationId xmlns:a16="http://schemas.microsoft.com/office/drawing/2014/main" id="{A130018F-5AC9-32F2-8867-BFF79CAA6121}"/>
+                </a:ext>
+              </a:extLst>
+            </p:cNvPr>
+            <p:cNvPicPr>
+              <a:picLocks noChangeAspect="1"/>
+            </p:cNvPicPr>
+            <p:nvPr/>
+          </p:nvPicPr>
+          <p:blipFill rotWithShape="1">
+            <a:blip r:embed="rId2"/>
+            <a:srcRect l="90392" r="246"/>
+            <a:stretch/>
+          </p:blipFill>
+          <p:spPr>
+            <a:xfrm>
+              <a:off x="6057726" y="1381278"/>
+              <a:ext cx="875319" cy="3206224"/>
+            </a:xfrm>
+            <a:prstGeom prst="rect">
+              <a:avLst/>
+            </a:prstGeom>
+          </p:spPr>
+        </p:pic>
+      </p:grpSp>
+    </p:spTree>
+    <p:extLst>
+      <p:ext uri="{BB962C8B-B14F-4D97-AF65-F5344CB8AC3E}">
+        <p14:creationId xmlns:p14="http://schemas.microsoft.com/office/powerpoint/2010/main" val="3321146573"/>
+      </p:ext>
+    </p:extLst>
+  </p:cSld>
+  <p:clrMapOvr>
+    <a:masterClrMapping/>
+  </p:clrMapOvr>
+</p:sld>
+</file>
+
+<file path=ppt/slides/slide3.xml><?xml version="1.0" encoding="utf-8"?>
+<p:sld xmlns:a="http://schemas.openxmlformats.org/drawingml/2006/main" xmlns:r="http://schemas.openxmlformats.org/officeDocument/2006/relationships" xmlns:p="http://schemas.openxmlformats.org/presentationml/2006/main">
+  <p:cSld>
+    <p:spTree>
+      <p:nvGrpSpPr>
+        <p:cNvPr id="1" name=""/>
+        <p:cNvGrpSpPr/>
+        <p:nvPr/>
+      </p:nvGrpSpPr>
+      <p:grpSpPr>
+        <a:xfrm>
+          <a:off x="0" y="0"/>
+          <a:ext cx="0" cy="0"/>
+          <a:chOff x="0" y="0"/>
+          <a:chExt cx="0" cy="0"/>
+        </a:xfrm>
+      </p:grpSpPr>
+      <p:grpSp>
+        <p:nvGrpSpPr>
+          <p:cNvPr id="28" name="Group 27" hidden="1">
+            <a:extLst>
+              <a:ext uri="{FF2B5EF4-FFF2-40B4-BE49-F238E27FC236}">
+                <a16:creationId xmlns:a16="http://schemas.microsoft.com/office/drawing/2014/main" id="{30FB0F98-67E0-4639-341E-E143EF78A972}"/>
+              </a:ext>
+            </a:extLst>
+          </p:cNvPr>
+          <p:cNvGrpSpPr/>
+          <p:nvPr/>
+        </p:nvGrpSpPr>
+        <p:grpSpPr>
+          <a:xfrm rot="440925">
+            <a:off x="433972" y="265324"/>
+            <a:ext cx="3651081" cy="3012141"/>
+            <a:chOff x="433972" y="265324"/>
+            <a:chExt cx="3651081" cy="3012141"/>
+          </a:xfrm>
+        </p:grpSpPr>
+        <p:pic>
+          <p:nvPicPr>
+            <p:cNvPr id="18" name="Picture 17" descr="Chart&#10;&#10;Description automatically generated with low confidence">
+              <a:extLst>
+                <a:ext uri="{FF2B5EF4-FFF2-40B4-BE49-F238E27FC236}">
+                  <a16:creationId xmlns:a16="http://schemas.microsoft.com/office/drawing/2014/main" id="{6836FACC-809C-9A6A-1B9D-C120D2D78128}"/>
+                </a:ext>
+              </a:extLst>
+            </p:cNvPr>
+            <p:cNvPicPr>
+              <a:picLocks noChangeAspect="1"/>
+            </p:cNvPicPr>
+            <p:nvPr/>
+          </p:nvPicPr>
+          <p:blipFill rotWithShape="1">
+            <a:blip r:embed="rId2"/>
+            <a:srcRect l="12253" t="17956" r="9316" b="17338"/>
+            <a:stretch/>
+          </p:blipFill>
+          <p:spPr>
+            <a:xfrm rot="21131099">
+              <a:off x="433972" y="265324"/>
+              <a:ext cx="3651081" cy="3012141"/>
+            </a:xfrm>
+            <a:prstGeom prst="rect">
+              <a:avLst/>
+            </a:prstGeom>
+          </p:spPr>
+        </p:pic>
+        <p:cxnSp>
+          <p:nvCxnSpPr>
+            <p:cNvPr id="13" name="Straight Connector 12">
+              <a:extLst>
+                <a:ext uri="{FF2B5EF4-FFF2-40B4-BE49-F238E27FC236}">
+                  <a16:creationId xmlns:a16="http://schemas.microsoft.com/office/drawing/2014/main" id="{458CB179-345F-60A3-3AF3-2AFEA8F35233}"/>
+                </a:ext>
+              </a:extLst>
+            </p:cNvPr>
+            <p:cNvCxnSpPr>
+              <a:cxnSpLocks/>
+            </p:cNvCxnSpPr>
+            <p:nvPr/>
+          </p:nvCxnSpPr>
+          <p:spPr>
+            <a:xfrm rot="53357">
+              <a:off x="1033853" y="1754091"/>
+              <a:ext cx="1097280" cy="0"/>
+            </a:xfrm>
+            <a:prstGeom prst="line">
+              <a:avLst/>
+            </a:prstGeom>
+            <a:ln w="28575">
+              <a:solidFill>
+                <a:srgbClr val="C00000"/>
+              </a:solidFill>
+            </a:ln>
+          </p:spPr>
+          <p:style>
+            <a:lnRef idx="1">
+              <a:schemeClr val="accent1"/>
+            </a:lnRef>
+            <a:fillRef idx="0">
+              <a:schemeClr val="accent1"/>
+            </a:fillRef>
+            <a:effectRef idx="0">
+              <a:schemeClr val="accent1"/>
+            </a:effectRef>
+            <a:fontRef idx="minor">
+              <a:schemeClr val="tx1"/>
+            </a:fontRef>
+          </p:style>
+        </p:cxnSp>
+        <p:sp>
+          <p:nvSpPr>
+            <p:cNvPr id="14" name="Oval 13">
+              <a:extLst>
+                <a:ext uri="{FF2B5EF4-FFF2-40B4-BE49-F238E27FC236}">
+                  <a16:creationId xmlns:a16="http://schemas.microsoft.com/office/drawing/2014/main" id="{517BCFAC-32D3-3C41-BE7D-81BB7BBE7D22}"/>
+                </a:ext>
+              </a:extLst>
+            </p:cNvPr>
+            <p:cNvSpPr/>
+            <p:nvPr/>
+          </p:nvSpPr>
+          <p:spPr>
+            <a:xfrm rot="53357">
+              <a:off x="740467" y="1705161"/>
+              <a:ext cx="89210" cy="89210"/>
+            </a:xfrm>
+            <a:prstGeom prst="ellipse">
+              <a:avLst/>
+            </a:prstGeom>
+            <a:solidFill>
+              <a:srgbClr val="8EBAD9"/>
+            </a:solidFill>
+            <a:ln>
+              <a:solidFill>
+                <a:schemeClr val="bg1"/>
+              </a:solidFill>
+            </a:ln>
+          </p:spPr>
+          <p:style>
+            <a:lnRef idx="2">
+              <a:schemeClr val="accent1">
+                <a:shade val="50000"/>
+              </a:schemeClr>
+            </a:lnRef>
+            <a:fillRef idx="1">
+              <a:schemeClr val="accent1"/>
+            </a:fillRef>
+            <a:effectRef idx="0">
+              <a:schemeClr val="accent1"/>
+            </a:effectRef>
+            <a:fontRef idx="minor">
+              <a:schemeClr val="lt1"/>
+            </a:fontRef>
+          </p:style>
+          <p:txBody>
+            <a:bodyPr rtlCol="0" anchor="ctr"/>
+            <a:lstStyle/>
+            <a:p>
+              <a:pPr algn="ctr"/>
+              <a:endParaRPr lang="en-US">
+                <a:solidFill>
+                  <a:srgbClr val="8EBAD9"/>
+                </a:solidFill>
+              </a:endParaRPr>
+            </a:p>
+          </p:txBody>
+        </p:sp>
+        <p:sp>
+          <p:nvSpPr>
+            <p:cNvPr id="16" name="Oval 15">
+              <a:extLst>
+                <a:ext uri="{FF2B5EF4-FFF2-40B4-BE49-F238E27FC236}">
+                  <a16:creationId xmlns:a16="http://schemas.microsoft.com/office/drawing/2014/main" id="{9E4420F8-BFAB-238D-8ACD-0AB8B60CDD8F}"/>
+                </a:ext>
+              </a:extLst>
+            </p:cNvPr>
+            <p:cNvSpPr/>
+            <p:nvPr/>
+          </p:nvSpPr>
+          <p:spPr>
+            <a:xfrm rot="53357">
+              <a:off x="1134011" y="1705161"/>
+              <a:ext cx="89210" cy="89210"/>
+            </a:xfrm>
+            <a:prstGeom prst="ellipse">
+              <a:avLst/>
+            </a:prstGeom>
+            <a:solidFill>
+              <a:srgbClr val="94CE94"/>
+            </a:solidFill>
+            <a:ln>
+              <a:solidFill>
+                <a:schemeClr val="bg1"/>
+              </a:solidFill>
+            </a:ln>
+          </p:spPr>
+          <p:style>
+            <a:lnRef idx="2">
+              <a:schemeClr val="accent1">
+                <a:shade val="50000"/>
+              </a:schemeClr>
+            </a:lnRef>
+            <a:fillRef idx="1">
+              <a:schemeClr val="accent1"/>
+            </a:fillRef>
+            <a:effectRef idx="0">
+              <a:schemeClr val="accent1"/>
+            </a:effectRef>
+            <a:fontRef idx="minor">
+              <a:schemeClr val="lt1"/>
+            </a:fontRef>
+          </p:style>
+          <p:txBody>
+            <a:bodyPr rtlCol="0" anchor="ctr"/>
+            <a:lstStyle/>
+            <a:p>
+              <a:pPr algn="ctr"/>
+              <a:endParaRPr lang="en-US"/>
+            </a:p>
+          </p:txBody>
+        </p:sp>
+        <p:sp>
+          <p:nvSpPr>
+            <p:cNvPr id="19" name="Oval 18">
+              <a:extLst>
+                <a:ext uri="{FF2B5EF4-FFF2-40B4-BE49-F238E27FC236}">
+                  <a16:creationId xmlns:a16="http://schemas.microsoft.com/office/drawing/2014/main" id="{1DD76C39-33F6-D2AF-F34A-1AC21417E16A}"/>
+                </a:ext>
+              </a:extLst>
+            </p:cNvPr>
+            <p:cNvSpPr/>
+            <p:nvPr/>
+          </p:nvSpPr>
+          <p:spPr>
+            <a:xfrm rot="53357">
+              <a:off x="1335984" y="1705161"/>
+              <a:ext cx="89210" cy="89210"/>
+            </a:xfrm>
+            <a:prstGeom prst="ellipse">
+              <a:avLst/>
+            </a:prstGeom>
+            <a:solidFill>
+              <a:srgbClr val="EB9192"/>
+            </a:solidFill>
+            <a:ln>
+              <a:solidFill>
+                <a:schemeClr val="bg1"/>
+              </a:solidFill>
+            </a:ln>
+          </p:spPr>
+          <p:style>
+            <a:lnRef idx="2">
+              <a:schemeClr val="accent1">
+                <a:shade val="50000"/>
+              </a:schemeClr>
+            </a:lnRef>
+            <a:fillRef idx="1">
+              <a:schemeClr val="accent1"/>
+            </a:fillRef>
+            <a:effectRef idx="0">
+              <a:schemeClr val="accent1"/>
+            </a:effectRef>
+            <a:fontRef idx="minor">
+              <a:schemeClr val="lt1"/>
+            </a:fontRef>
+          </p:style>
+          <p:txBody>
+            <a:bodyPr rtlCol="0" anchor="ctr"/>
+            <a:lstStyle/>
+            <a:p>
+              <a:pPr algn="ctr"/>
+              <a:endParaRPr lang="en-US"/>
+            </a:p>
+          </p:txBody>
+        </p:sp>
+        <p:sp>
+          <p:nvSpPr>
+            <p:cNvPr id="20" name="Oval 19">
+              <a:extLst>
+                <a:ext uri="{FF2B5EF4-FFF2-40B4-BE49-F238E27FC236}">
+                  <a16:creationId xmlns:a16="http://schemas.microsoft.com/office/drawing/2014/main" id="{00AFDF4D-2143-DBC2-0F9E-C5F309A5564B}"/>
+                </a:ext>
+              </a:extLst>
+            </p:cNvPr>
+            <p:cNvSpPr/>
+            <p:nvPr/>
+          </p:nvSpPr>
+          <p:spPr>
+            <a:xfrm rot="53357">
+              <a:off x="1537957" y="1705161"/>
+              <a:ext cx="89210" cy="89210"/>
+            </a:xfrm>
+            <a:prstGeom prst="ellipse">
+              <a:avLst/>
+            </a:prstGeom>
+            <a:solidFill>
+              <a:srgbClr val="C9B2DD"/>
+            </a:solidFill>
+            <a:ln>
+              <a:solidFill>
+                <a:schemeClr val="bg1"/>
+              </a:solidFill>
+            </a:ln>
+          </p:spPr>
+          <p:style>
+            <a:lnRef idx="2">
+              <a:schemeClr val="accent1">
+                <a:shade val="50000"/>
+              </a:schemeClr>
+            </a:lnRef>
+            <a:fillRef idx="1">
+              <a:schemeClr val="accent1"/>
+            </a:fillRef>
+            <a:effectRef idx="0">
+              <a:schemeClr val="accent1"/>
+            </a:effectRef>
+            <a:fontRef idx="minor">
+              <a:schemeClr val="lt1"/>
+            </a:fontRef>
+          </p:style>
+          <p:txBody>
+            <a:bodyPr rtlCol="0" anchor="ctr"/>
+            <a:lstStyle/>
+            <a:p>
+              <a:pPr algn="ctr"/>
+              <a:endParaRPr lang="en-US"/>
+            </a:p>
+          </p:txBody>
+        </p:sp>
+        <p:sp>
+          <p:nvSpPr>
+            <p:cNvPr id="21" name="Oval 20">
+              <a:extLst>
+                <a:ext uri="{FF2B5EF4-FFF2-40B4-BE49-F238E27FC236}">
+                  <a16:creationId xmlns:a16="http://schemas.microsoft.com/office/drawing/2014/main" id="{5899C4C7-AC36-0F69-5449-A393977364C8}"/>
+                </a:ext>
+              </a:extLst>
+            </p:cNvPr>
+            <p:cNvSpPr/>
+            <p:nvPr/>
+          </p:nvSpPr>
+          <p:spPr>
+            <a:xfrm rot="53357">
+              <a:off x="1739930" y="1705161"/>
+              <a:ext cx="89210" cy="89210"/>
+            </a:xfrm>
+            <a:prstGeom prst="ellipse">
+              <a:avLst/>
+            </a:prstGeom>
+            <a:solidFill>
+              <a:srgbClr val="BDA49E"/>
+            </a:solidFill>
+            <a:ln>
+              <a:solidFill>
+                <a:schemeClr val="bg1"/>
+              </a:solidFill>
+            </a:ln>
+          </p:spPr>
+          <p:style>
+            <a:lnRef idx="2">
+              <a:schemeClr val="accent1">
+                <a:shade val="50000"/>
+              </a:schemeClr>
+            </a:lnRef>
+            <a:fillRef idx="1">
+              <a:schemeClr val="accent1"/>
+            </a:fillRef>
+            <a:effectRef idx="0">
+              <a:schemeClr val="accent1"/>
+            </a:effectRef>
+            <a:fontRef idx="minor">
+              <a:schemeClr val="lt1"/>
+            </a:fontRef>
+          </p:style>
+          <p:txBody>
+            <a:bodyPr rtlCol="0" anchor="ctr"/>
+            <a:lstStyle/>
+            <a:p>
+              <a:pPr algn="ctr"/>
+              <a:endParaRPr lang="en-US"/>
+            </a:p>
+          </p:txBody>
+        </p:sp>
+        <p:sp>
+          <p:nvSpPr>
+            <p:cNvPr id="22" name="Oval 21">
+              <a:extLst>
+                <a:ext uri="{FF2B5EF4-FFF2-40B4-BE49-F238E27FC236}">
+                  <a16:creationId xmlns:a16="http://schemas.microsoft.com/office/drawing/2014/main" id="{261E282E-EBB3-1BDD-B1E1-A875B8087AD2}"/>
+                </a:ext>
+              </a:extLst>
+            </p:cNvPr>
+            <p:cNvSpPr/>
+            <p:nvPr/>
+          </p:nvSpPr>
+          <p:spPr>
+            <a:xfrm rot="53357">
+              <a:off x="1941903" y="1705161"/>
+              <a:ext cx="89210" cy="89210"/>
+            </a:xfrm>
+            <a:prstGeom prst="ellipse">
+              <a:avLst/>
+            </a:prstGeom>
+            <a:solidFill>
+              <a:srgbClr val="F1BAE1"/>
+            </a:solidFill>
+            <a:ln>
+              <a:solidFill>
+                <a:schemeClr val="bg1"/>
+              </a:solidFill>
+            </a:ln>
+          </p:spPr>
+          <p:style>
+            <a:lnRef idx="2">
+              <a:schemeClr val="accent1">
+                <a:shade val="50000"/>
+              </a:schemeClr>
+            </a:lnRef>
+            <a:fillRef idx="1">
+              <a:schemeClr val="accent1"/>
+            </a:fillRef>
+            <a:effectRef idx="0">
+              <a:schemeClr val="accent1"/>
+            </a:effectRef>
+            <a:fontRef idx="minor">
+              <a:schemeClr val="lt1"/>
+            </a:fontRef>
+          </p:style>
+          <p:txBody>
+            <a:bodyPr rtlCol="0" anchor="ctr"/>
+            <a:lstStyle/>
+            <a:p>
+              <a:pPr algn="ctr"/>
+              <a:endParaRPr lang="en-US"/>
+            </a:p>
+          </p:txBody>
+        </p:sp>
+        <p:sp>
+          <p:nvSpPr>
+            <p:cNvPr id="23" name="Oval 22">
+              <a:extLst>
+                <a:ext uri="{FF2B5EF4-FFF2-40B4-BE49-F238E27FC236}">
+                  <a16:creationId xmlns:a16="http://schemas.microsoft.com/office/drawing/2014/main" id="{2B5A82E6-FBA6-6E74-74B5-747858C67985}"/>
+                </a:ext>
+              </a:extLst>
+            </p:cNvPr>
+            <p:cNvSpPr/>
+            <p:nvPr/>
+          </p:nvSpPr>
+          <p:spPr>
+            <a:xfrm rot="53357">
+              <a:off x="2143876" y="1705161"/>
+              <a:ext cx="89210" cy="89210"/>
+            </a:xfrm>
+            <a:prstGeom prst="ellipse">
+              <a:avLst/>
+            </a:prstGeom>
+            <a:solidFill>
+              <a:srgbClr val="BEBEBE"/>
+            </a:solidFill>
+            <a:ln>
+              <a:solidFill>
+                <a:schemeClr val="bg1"/>
+              </a:solidFill>
+            </a:ln>
+          </p:spPr>
+          <p:style>
+            <a:lnRef idx="2">
+              <a:schemeClr val="accent1">
+                <a:shade val="50000"/>
+              </a:schemeClr>
+            </a:lnRef>
+            <a:fillRef idx="1">
+              <a:schemeClr val="accent1"/>
+            </a:fillRef>
+            <a:effectRef idx="0">
+              <a:schemeClr val="accent1"/>
+            </a:effectRef>
+            <a:fontRef idx="minor">
+              <a:schemeClr val="lt1"/>
+            </a:fontRef>
+          </p:style>
+          <p:txBody>
+            <a:bodyPr rtlCol="0" anchor="ctr"/>
+            <a:lstStyle/>
+            <a:p>
+              <a:pPr algn="ctr"/>
+              <a:endParaRPr lang="en-US"/>
+            </a:p>
+          </p:txBody>
+        </p:sp>
+        <p:sp>
+          <p:nvSpPr>
+            <p:cNvPr id="24" name="Oval 23">
+              <a:extLst>
+                <a:ext uri="{FF2B5EF4-FFF2-40B4-BE49-F238E27FC236}">
+                  <a16:creationId xmlns:a16="http://schemas.microsoft.com/office/drawing/2014/main" id="{F332CB9E-7047-463B-36B9-16F305BDD8E2}"/>
+                </a:ext>
+              </a:extLst>
+            </p:cNvPr>
+            <p:cNvSpPr/>
+            <p:nvPr/>
+          </p:nvSpPr>
+          <p:spPr>
+            <a:xfrm rot="53357">
+              <a:off x="2345852" y="1705161"/>
+              <a:ext cx="89210" cy="89210"/>
+            </a:xfrm>
+            <a:prstGeom prst="ellipse">
+              <a:avLst/>
+            </a:prstGeom>
+            <a:solidFill>
+              <a:srgbClr val="DDDD90"/>
+            </a:solidFill>
+            <a:ln>
+              <a:solidFill>
+                <a:schemeClr val="bg1"/>
+              </a:solidFill>
+            </a:ln>
+          </p:spPr>
+          <p:style>
+            <a:lnRef idx="2">
+              <a:schemeClr val="accent1">
+                <a:shade val="50000"/>
+              </a:schemeClr>
+            </a:lnRef>
+            <a:fillRef idx="1">
+              <a:schemeClr val="accent1"/>
+            </a:fillRef>
+            <a:effectRef idx="0">
+              <a:schemeClr val="accent1"/>
+            </a:effectRef>
+            <a:fontRef idx="minor">
+              <a:schemeClr val="lt1"/>
+            </a:fontRef>
+          </p:style>
+          <p:txBody>
+            <a:bodyPr rtlCol="0" anchor="ctr"/>
+            <a:lstStyle/>
+            <a:p>
+              <a:pPr algn="ctr"/>
+              <a:endParaRPr lang="en-US"/>
+            </a:p>
+          </p:txBody>
+        </p:sp>
+        <p:sp>
+          <p:nvSpPr>
+            <p:cNvPr id="25" name="Oval 24">
+              <a:extLst>
+                <a:ext uri="{FF2B5EF4-FFF2-40B4-BE49-F238E27FC236}">
+                  <a16:creationId xmlns:a16="http://schemas.microsoft.com/office/drawing/2014/main" id="{59E20B7B-4DF3-AF19-F800-745580AE81E8}"/>
+                </a:ext>
+              </a:extLst>
+            </p:cNvPr>
+            <p:cNvSpPr/>
+            <p:nvPr/>
+          </p:nvSpPr>
+          <p:spPr>
+            <a:xfrm rot="53357">
+              <a:off x="932038" y="1705161"/>
+              <a:ext cx="89210" cy="89210"/>
+            </a:xfrm>
+            <a:prstGeom prst="ellipse">
+              <a:avLst/>
+            </a:prstGeom>
+            <a:solidFill>
+              <a:srgbClr val="FFBF86"/>
+            </a:solidFill>
+            <a:ln>
+              <a:solidFill>
+                <a:schemeClr val="bg1"/>
+              </a:solidFill>
+            </a:ln>
+          </p:spPr>
+          <p:style>
+            <a:lnRef idx="2">
+              <a:schemeClr val="accent1">
+                <a:shade val="50000"/>
+              </a:schemeClr>
+            </a:lnRef>
+            <a:fillRef idx="1">
+              <a:schemeClr val="accent1"/>
+            </a:fillRef>
+            <a:effectRef idx="0">
+              <a:schemeClr val="accent1"/>
+            </a:effectRef>
+            <a:fontRef idx="minor">
+              <a:schemeClr val="lt1"/>
+            </a:fontRef>
+          </p:style>
+          <p:txBody>
+            <a:bodyPr rtlCol="0" anchor="ctr"/>
+            <a:lstStyle/>
+            <a:p>
+              <a:pPr algn="ctr"/>
+              <a:endParaRPr lang="en-US"/>
+            </a:p>
+          </p:txBody>
+        </p:sp>
+      </p:grpSp>
+      <p:grpSp>
+        <p:nvGrpSpPr>
+          <p:cNvPr id="59" name="Group 58">
+            <a:extLst>
+              <a:ext uri="{FF2B5EF4-FFF2-40B4-BE49-F238E27FC236}">
+                <a16:creationId xmlns:a16="http://schemas.microsoft.com/office/drawing/2014/main" id="{1619F88E-B56E-8B1D-BB0C-0DA5FDDE09D1}"/>
+              </a:ext>
+            </a:extLst>
+          </p:cNvPr>
+          <p:cNvGrpSpPr/>
+          <p:nvPr/>
+        </p:nvGrpSpPr>
+        <p:grpSpPr>
+          <a:xfrm>
+            <a:off x="210888" y="250517"/>
+            <a:ext cx="11770224" cy="5892800"/>
+            <a:chOff x="421776" y="0"/>
+            <a:chExt cx="11770224" cy="5892800"/>
+          </a:xfrm>
+        </p:grpSpPr>
+        <p:sp>
+          <p:nvSpPr>
+            <p:cNvPr id="58" name="Rectangle 57">
+              <a:extLst>
+                <a:ext uri="{FF2B5EF4-FFF2-40B4-BE49-F238E27FC236}">
+                  <a16:creationId xmlns:a16="http://schemas.microsoft.com/office/drawing/2014/main" id="{1646E351-F6E0-05EB-E44B-9B384B9BDC26}"/>
+                </a:ext>
+              </a:extLst>
+            </p:cNvPr>
+            <p:cNvSpPr/>
+            <p:nvPr/>
+          </p:nvSpPr>
+          <p:spPr>
+            <a:xfrm>
+              <a:off x="421776" y="0"/>
+              <a:ext cx="11770224" cy="5892800"/>
+            </a:xfrm>
+            <a:prstGeom prst="rect">
+              <a:avLst/>
+            </a:prstGeom>
+            <a:solidFill>
+              <a:schemeClr val="bg1"/>
+            </a:solidFill>
+            <a:ln>
+              <a:noFill/>
+            </a:ln>
+          </p:spPr>
+          <p:style>
+            <a:lnRef idx="2">
+              <a:schemeClr val="accent1">
+                <a:shade val="50000"/>
+              </a:schemeClr>
+            </a:lnRef>
+            <a:fillRef idx="1">
+              <a:schemeClr val="accent1"/>
+            </a:fillRef>
+            <a:effectRef idx="0">
+              <a:schemeClr val="accent1"/>
+            </a:effectRef>
+            <a:fontRef idx="minor">
+              <a:schemeClr val="lt1"/>
+            </a:fontRef>
+          </p:style>
+          <p:txBody>
+            <a:bodyPr rtlCol="0" anchor="ctr"/>
+            <a:lstStyle/>
+            <a:p>
+              <a:pPr algn="ctr"/>
+              <a:endParaRPr lang="en-US"/>
+            </a:p>
+          </p:txBody>
+        </p:sp>
+        <p:pic>
+          <p:nvPicPr>
+            <p:cNvPr id="2050" name="Picture 2">
+              <a:extLst>
+                <a:ext uri="{FF2B5EF4-FFF2-40B4-BE49-F238E27FC236}">
+                  <a16:creationId xmlns:a16="http://schemas.microsoft.com/office/drawing/2014/main" id="{0258830F-5576-CB93-3087-6B10DB0B9F81}"/>
+                </a:ext>
+              </a:extLst>
+            </p:cNvPr>
+            <p:cNvPicPr>
+              <a:picLocks noChangeAspect="1" noChangeArrowheads="1"/>
+            </p:cNvPicPr>
+            <p:nvPr/>
+          </p:nvPicPr>
+          <p:blipFill>
+            <a:blip r:embed="rId3">
+              <a:extLst>
+                <a:ext uri="{28A0092B-C50C-407E-A947-70E740481C1C}">
+                  <a14:useLocalDpi xmlns:a14="http://schemas.microsoft.com/office/drawing/2010/main" val="0"/>
+                </a:ext>
+              </a:extLst>
+            </a:blip>
+            <a:srcRect/>
+            <a:stretch>
+              <a:fillRect/>
+            </a:stretch>
+          </p:blipFill>
+          <p:spPr bwMode="auto">
+            <a:xfrm>
+              <a:off x="5267103" y="250517"/>
+              <a:ext cx="3495897" cy="2458590"/>
+            </a:xfrm>
+            <a:prstGeom prst="rect">
+              <a:avLst/>
+            </a:prstGeom>
+            <a:noFill/>
+            <a:extLst>
+              <a:ext uri="{909E8E84-426E-40DD-AFC4-6F175D3DCCD1}">
+                <a14:hiddenFill xmlns:a14="http://schemas.microsoft.com/office/drawing/2010/main">
+                  <a:solidFill>
+                    <a:srgbClr val="FFFFFF"/>
+                  </a:solidFill>
+                </a14:hiddenFill>
+              </a:ext>
+            </a:extLst>
+          </p:spPr>
+        </p:pic>
+        <p:pic>
+          <p:nvPicPr>
+            <p:cNvPr id="2052" name="Picture 4">
+              <a:extLst>
+                <a:ext uri="{FF2B5EF4-FFF2-40B4-BE49-F238E27FC236}">
+                  <a16:creationId xmlns:a16="http://schemas.microsoft.com/office/drawing/2014/main" id="{292CE44A-0C7C-56B5-57B4-0ED7F215D054}"/>
+                </a:ext>
+              </a:extLst>
+            </p:cNvPr>
+            <p:cNvPicPr>
+              <a:picLocks noChangeAspect="1" noChangeArrowheads="1"/>
+            </p:cNvPicPr>
+            <p:nvPr/>
+          </p:nvPicPr>
+          <p:blipFill>
+            <a:blip r:embed="rId4">
+              <a:extLst>
+                <a:ext uri="{28A0092B-C50C-407E-A947-70E740481C1C}">
+                  <a14:useLocalDpi xmlns:a14="http://schemas.microsoft.com/office/drawing/2010/main" val="0"/>
+                </a:ext>
+              </a:extLst>
+            </a:blip>
+            <a:srcRect/>
+            <a:stretch>
+              <a:fillRect/>
+            </a:stretch>
+          </p:blipFill>
+          <p:spPr bwMode="auto">
+            <a:xfrm>
+              <a:off x="8733269" y="250517"/>
+              <a:ext cx="3260927" cy="2458590"/>
+            </a:xfrm>
+            <a:prstGeom prst="rect">
+              <a:avLst/>
+            </a:prstGeom>
+            <a:noFill/>
+            <a:extLst>
+              <a:ext uri="{909E8E84-426E-40DD-AFC4-6F175D3DCCD1}">
+                <a14:hiddenFill xmlns:a14="http://schemas.microsoft.com/office/drawing/2010/main">
+                  <a:solidFill>
+                    <a:srgbClr val="FFFFFF"/>
+                  </a:solidFill>
+                </a14:hiddenFill>
+              </a:ext>
+            </a:extLst>
+          </p:spPr>
+        </p:pic>
+        <p:pic>
+          <p:nvPicPr>
+            <p:cNvPr id="2054" name="Picture 6">
+              <a:extLst>
+                <a:ext uri="{FF2B5EF4-FFF2-40B4-BE49-F238E27FC236}">
+                  <a16:creationId xmlns:a16="http://schemas.microsoft.com/office/drawing/2014/main" id="{1D9EEFEB-5E06-D320-5C14-3D00C44B4E8B}"/>
+                </a:ext>
+              </a:extLst>
+            </p:cNvPr>
+            <p:cNvPicPr>
+              <a:picLocks noChangeAspect="1" noChangeArrowheads="1"/>
+            </p:cNvPicPr>
+            <p:nvPr/>
+          </p:nvPicPr>
+          <p:blipFill>
+            <a:blip r:embed="rId5">
+              <a:extLst>
+                <a:ext uri="{28A0092B-C50C-407E-A947-70E740481C1C}">
+                  <a14:useLocalDpi xmlns:a14="http://schemas.microsoft.com/office/drawing/2010/main" val="0"/>
+                </a:ext>
+              </a:extLst>
+            </a:blip>
+            <a:srcRect/>
+            <a:stretch>
+              <a:fillRect/>
+            </a:stretch>
+          </p:blipFill>
+          <p:spPr bwMode="auto">
+            <a:xfrm>
+              <a:off x="5502073" y="3046525"/>
+              <a:ext cx="3260927" cy="2458590"/>
+            </a:xfrm>
+            <a:prstGeom prst="rect">
+              <a:avLst/>
+            </a:prstGeom>
+            <a:noFill/>
+            <a:extLst>
+              <a:ext uri="{909E8E84-426E-40DD-AFC4-6F175D3DCCD1}">
+                <a14:hiddenFill xmlns:a14="http://schemas.microsoft.com/office/drawing/2010/main">
+                  <a:solidFill>
+                    <a:srgbClr val="FFFFFF"/>
+                  </a:solidFill>
+                </a14:hiddenFill>
+              </a:ext>
+            </a:extLst>
+          </p:spPr>
+        </p:pic>
+        <p:pic>
+          <p:nvPicPr>
+            <p:cNvPr id="2056" name="Picture 8">
+              <a:extLst>
+                <a:ext uri="{FF2B5EF4-FFF2-40B4-BE49-F238E27FC236}">
+                  <a16:creationId xmlns:a16="http://schemas.microsoft.com/office/drawing/2014/main" id="{5F1AD9FB-622A-6BDE-36A6-05B4A6DBD583}"/>
+                </a:ext>
+              </a:extLst>
+            </p:cNvPr>
+            <p:cNvPicPr>
+              <a:picLocks noChangeAspect="1" noChangeArrowheads="1"/>
+            </p:cNvPicPr>
+            <p:nvPr/>
+          </p:nvPicPr>
+          <p:blipFill>
+            <a:blip r:embed="rId6">
+              <a:extLst>
+                <a:ext uri="{28A0092B-C50C-407E-A947-70E740481C1C}">
+                  <a14:useLocalDpi xmlns:a14="http://schemas.microsoft.com/office/drawing/2010/main" val="0"/>
+                </a:ext>
+              </a:extLst>
+            </a:blip>
+            <a:srcRect/>
+            <a:stretch>
+              <a:fillRect/>
+            </a:stretch>
+          </p:blipFill>
+          <p:spPr bwMode="auto">
+            <a:xfrm>
+              <a:off x="8763000" y="3046524"/>
+              <a:ext cx="3266739" cy="2458591"/>
+            </a:xfrm>
+            <a:prstGeom prst="rect">
+              <a:avLst/>
+            </a:prstGeom>
+            <a:noFill/>
+            <a:extLst>
+              <a:ext uri="{909E8E84-426E-40DD-AFC4-6F175D3DCCD1}">
+                <a14:hiddenFill xmlns:a14="http://schemas.microsoft.com/office/drawing/2010/main">
+                  <a:solidFill>
+                    <a:srgbClr val="FFFFFF"/>
+                  </a:solidFill>
+                </a14:hiddenFill>
+              </a:ext>
+            </a:extLst>
+          </p:spPr>
+        </p:pic>
+        <p:pic>
+          <p:nvPicPr>
+            <p:cNvPr id="41" name="Picture 40">
+              <a:extLst>
+                <a:ext uri="{FF2B5EF4-FFF2-40B4-BE49-F238E27FC236}">
+                  <a16:creationId xmlns:a16="http://schemas.microsoft.com/office/drawing/2014/main" id="{14B5C289-72E0-3714-15C7-D632F331B4F8}"/>
+                </a:ext>
+              </a:extLst>
+            </p:cNvPr>
+            <p:cNvPicPr>
+              <a:picLocks noChangeAspect="1"/>
+            </p:cNvPicPr>
+            <p:nvPr/>
+          </p:nvPicPr>
+          <p:blipFill>
+            <a:blip r:embed="rId7"/>
+            <a:stretch>
+              <a:fillRect/>
+            </a:stretch>
+          </p:blipFill>
+          <p:spPr>
+            <a:xfrm>
+              <a:off x="827045" y="1119419"/>
+              <a:ext cx="4399051" cy="3655763"/>
+            </a:xfrm>
+            <a:prstGeom prst="rect">
+              <a:avLst/>
+            </a:prstGeom>
+          </p:spPr>
+        </p:pic>
+        <p:sp>
+          <p:nvSpPr>
+            <p:cNvPr id="49" name="TextBox 48">
+              <a:extLst>
+                <a:ext uri="{FF2B5EF4-FFF2-40B4-BE49-F238E27FC236}">
+                  <a16:creationId xmlns:a16="http://schemas.microsoft.com/office/drawing/2014/main" id="{B683DDC4-1023-24E2-619E-FBD5F6E0F515}"/>
+                </a:ext>
+              </a:extLst>
+            </p:cNvPr>
+            <p:cNvSpPr txBox="1"/>
+            <p:nvPr/>
+          </p:nvSpPr>
+          <p:spPr>
+            <a:xfrm>
+              <a:off x="2574628" y="4861018"/>
+              <a:ext cx="809468" cy="461665"/>
+            </a:xfrm>
+            <a:prstGeom prst="rect">
+              <a:avLst/>
+            </a:prstGeom>
+            <a:noFill/>
+          </p:spPr>
+          <p:txBody>
+            <a:bodyPr wrap="square" rtlCol="0">
+              <a:spAutoFit/>
+            </a:bodyPr>
+            <a:lstStyle/>
+            <a:p>
+              <a:pPr algn="ctr"/>
+              <a:r>
+                <a:rPr lang="en-US" sz="2400" dirty="0">
+                  <a:latin typeface="DEJAVU SANS" panose="020B0603030804020204" pitchFamily="34" charset="0"/>
+                  <a:ea typeface="DEJAVU SANS" panose="020B0603030804020204" pitchFamily="34" charset="0"/>
+                  <a:cs typeface="DEJAVU SANS" panose="020B0603030804020204" pitchFamily="34" charset="0"/>
+                </a:rPr>
+                <a:t>(a)</a:t>
+              </a:r>
+            </a:p>
+          </p:txBody>
+        </p:sp>
+        <p:sp>
+          <p:nvSpPr>
+            <p:cNvPr id="50" name="TextBox 49">
+              <a:extLst>
+                <a:ext uri="{FF2B5EF4-FFF2-40B4-BE49-F238E27FC236}">
+                  <a16:creationId xmlns:a16="http://schemas.microsoft.com/office/drawing/2014/main" id="{0CB95824-FF5F-14F9-7692-A9422CFCDE8E}"/>
+                </a:ext>
+              </a:extLst>
+            </p:cNvPr>
+            <p:cNvSpPr txBox="1"/>
+            <p:nvPr/>
+          </p:nvSpPr>
+          <p:spPr>
+            <a:xfrm>
+              <a:off x="7886122" y="1817230"/>
+              <a:ext cx="809468" cy="461665"/>
+            </a:xfrm>
+            <a:prstGeom prst="rect">
+              <a:avLst/>
+            </a:prstGeom>
+            <a:noFill/>
+          </p:spPr>
+          <p:txBody>
+            <a:bodyPr wrap="square" rtlCol="0">
+              <a:spAutoFit/>
+            </a:bodyPr>
+            <a:lstStyle/>
+            <a:p>
+              <a:pPr algn="ctr"/>
+              <a:r>
+                <a:rPr lang="en-US" sz="2400" dirty="0">
+                  <a:latin typeface="DEJAVU SANS" panose="020B0603030804020204" pitchFamily="34" charset="0"/>
+                  <a:ea typeface="DEJAVU SANS" panose="020B0603030804020204" pitchFamily="34" charset="0"/>
+                  <a:cs typeface="DEJAVU SANS" panose="020B0603030804020204" pitchFamily="34" charset="0"/>
+                </a:rPr>
+                <a:t>(b)</a:t>
+              </a:r>
+            </a:p>
+          </p:txBody>
+        </p:sp>
+        <p:sp>
+          <p:nvSpPr>
+            <p:cNvPr id="51" name="TextBox 50">
+              <a:extLst>
+                <a:ext uri="{FF2B5EF4-FFF2-40B4-BE49-F238E27FC236}">
+                  <a16:creationId xmlns:a16="http://schemas.microsoft.com/office/drawing/2014/main" id="{758426D0-2BF5-7135-FF4D-5FDE891F184A}"/>
+                </a:ext>
+              </a:extLst>
+            </p:cNvPr>
+            <p:cNvSpPr txBox="1"/>
+            <p:nvPr/>
+          </p:nvSpPr>
+          <p:spPr>
+            <a:xfrm>
+              <a:off x="11179264" y="1777166"/>
+              <a:ext cx="809468" cy="461665"/>
+            </a:xfrm>
+            <a:prstGeom prst="rect">
+              <a:avLst/>
+            </a:prstGeom>
+            <a:noFill/>
+          </p:spPr>
+          <p:txBody>
+            <a:bodyPr wrap="square" rtlCol="0">
+              <a:spAutoFit/>
+            </a:bodyPr>
+            <a:lstStyle/>
+            <a:p>
+              <a:pPr algn="ctr"/>
+              <a:r>
+                <a:rPr lang="en-US" sz="2400" dirty="0">
+                  <a:latin typeface="DEJAVU SANS" panose="020B0603030804020204" pitchFamily="34" charset="0"/>
+                  <a:ea typeface="DEJAVU SANS" panose="020B0603030804020204" pitchFamily="34" charset="0"/>
+                  <a:cs typeface="DEJAVU SANS" panose="020B0603030804020204" pitchFamily="34" charset="0"/>
+                </a:rPr>
+                <a:t>(c)</a:t>
+              </a:r>
+            </a:p>
+          </p:txBody>
+        </p:sp>
+        <p:sp>
+          <p:nvSpPr>
+            <p:cNvPr id="52" name="TextBox 51">
+              <a:extLst>
+                <a:ext uri="{FF2B5EF4-FFF2-40B4-BE49-F238E27FC236}">
+                  <a16:creationId xmlns:a16="http://schemas.microsoft.com/office/drawing/2014/main" id="{D0F86D8F-9A00-F5CF-0856-2E194FEC4C21}"/>
+                </a:ext>
+              </a:extLst>
+            </p:cNvPr>
+            <p:cNvSpPr txBox="1"/>
+            <p:nvPr/>
+          </p:nvSpPr>
+          <p:spPr>
+            <a:xfrm>
+              <a:off x="7886122" y="4577742"/>
+              <a:ext cx="809468" cy="461665"/>
+            </a:xfrm>
+            <a:prstGeom prst="rect">
+              <a:avLst/>
+            </a:prstGeom>
+            <a:noFill/>
+          </p:spPr>
+          <p:txBody>
+            <a:bodyPr wrap="square" rtlCol="0">
+              <a:spAutoFit/>
+            </a:bodyPr>
+            <a:lstStyle/>
+            <a:p>
+              <a:pPr algn="ctr"/>
+              <a:r>
+                <a:rPr lang="en-US" sz="2400" dirty="0">
+                  <a:latin typeface="DEJAVU SANS" panose="020B0603030804020204" pitchFamily="34" charset="0"/>
+                  <a:ea typeface="DEJAVU SANS" panose="020B0603030804020204" pitchFamily="34" charset="0"/>
+                  <a:cs typeface="DEJAVU SANS" panose="020B0603030804020204" pitchFamily="34" charset="0"/>
+                </a:rPr>
+                <a:t>(d)</a:t>
+              </a:r>
+            </a:p>
+          </p:txBody>
+        </p:sp>
+        <p:sp>
+          <p:nvSpPr>
+            <p:cNvPr id="53" name="TextBox 52">
+              <a:extLst>
+                <a:ext uri="{FF2B5EF4-FFF2-40B4-BE49-F238E27FC236}">
+                  <a16:creationId xmlns:a16="http://schemas.microsoft.com/office/drawing/2014/main" id="{7B00EDE9-EF4E-A692-61EE-D293D35A5D48}"/>
+                </a:ext>
+              </a:extLst>
+            </p:cNvPr>
+            <p:cNvSpPr txBox="1"/>
+            <p:nvPr/>
+          </p:nvSpPr>
+          <p:spPr>
+            <a:xfrm>
+              <a:off x="11179264" y="4551770"/>
+              <a:ext cx="809468" cy="461665"/>
+            </a:xfrm>
+            <a:prstGeom prst="rect">
+              <a:avLst/>
+            </a:prstGeom>
+            <a:noFill/>
+          </p:spPr>
+          <p:txBody>
+            <a:bodyPr wrap="square" rtlCol="0">
+              <a:spAutoFit/>
+            </a:bodyPr>
+            <a:lstStyle/>
+            <a:p>
+              <a:pPr algn="ctr"/>
+              <a:r>
+                <a:rPr lang="en-US" sz="2400" dirty="0">
+                  <a:latin typeface="DEJAVU SANS" panose="020B0603030804020204" pitchFamily="34" charset="0"/>
+                  <a:ea typeface="DEJAVU SANS" panose="020B0603030804020204" pitchFamily="34" charset="0"/>
+                  <a:cs typeface="DEJAVU SANS" panose="020B0603030804020204" pitchFamily="34" charset="0"/>
+                </a:rPr>
+                <a:t>(e)</a:t>
+              </a:r>
+            </a:p>
+          </p:txBody>
+        </p:sp>
+        <p:sp>
+          <p:nvSpPr>
+            <p:cNvPr id="54" name="TextBox 53">
+              <a:extLst>
+                <a:ext uri="{FF2B5EF4-FFF2-40B4-BE49-F238E27FC236}">
+                  <a16:creationId xmlns:a16="http://schemas.microsoft.com/office/drawing/2014/main" id="{88C092BE-9D7C-C928-5031-A485C12FF7B8}"/>
+                </a:ext>
+              </a:extLst>
+            </p:cNvPr>
+            <p:cNvSpPr txBox="1"/>
+            <p:nvPr/>
+          </p:nvSpPr>
+          <p:spPr>
+            <a:xfrm>
+              <a:off x="6509620" y="42395"/>
+              <a:ext cx="1469873" cy="276999"/>
+            </a:xfrm>
+            <a:prstGeom prst="rect">
+              <a:avLst/>
+            </a:prstGeom>
+            <a:noFill/>
+          </p:spPr>
+          <p:txBody>
+            <a:bodyPr wrap="square" rtlCol="0">
+              <a:spAutoFit/>
+            </a:bodyPr>
+            <a:lstStyle/>
+            <a:p>
+              <a:pPr algn="ctr"/>
+              <a:r>
+                <a:rPr lang="en-US" sz="1200" dirty="0">
+                  <a:latin typeface="DEJAVU SANS" panose="020B0603030804020204" pitchFamily="34" charset="0"/>
+                  <a:ea typeface="DEJAVU SANS" panose="020B0603030804020204" pitchFamily="34" charset="0"/>
+                  <a:cs typeface="DEJAVU SANS" panose="020B0603030804020204" pitchFamily="34" charset="0"/>
+                </a:rPr>
+                <a:t>Non-weighted</a:t>
+              </a:r>
+            </a:p>
+          </p:txBody>
+        </p:sp>
+        <p:sp>
+          <p:nvSpPr>
+            <p:cNvPr id="55" name="TextBox 54">
+              <a:extLst>
+                <a:ext uri="{FF2B5EF4-FFF2-40B4-BE49-F238E27FC236}">
+                  <a16:creationId xmlns:a16="http://schemas.microsoft.com/office/drawing/2014/main" id="{4E344EA2-A034-BF25-CF8A-7E070B1C3E0C}"/>
+                </a:ext>
+              </a:extLst>
+            </p:cNvPr>
+            <p:cNvSpPr txBox="1"/>
+            <p:nvPr/>
+          </p:nvSpPr>
+          <p:spPr>
+            <a:xfrm>
+              <a:off x="9709391" y="42394"/>
+              <a:ext cx="1469873" cy="276999"/>
+            </a:xfrm>
+            <a:prstGeom prst="rect">
+              <a:avLst/>
+            </a:prstGeom>
+            <a:noFill/>
+          </p:spPr>
+          <p:txBody>
+            <a:bodyPr wrap="square" rtlCol="0">
+              <a:spAutoFit/>
+            </a:bodyPr>
+            <a:lstStyle/>
+            <a:p>
+              <a:pPr algn="ctr"/>
+              <a:r>
+                <a:rPr lang="en-US" sz="1200" dirty="0">
+                  <a:latin typeface="DEJAVU SANS" panose="020B0603030804020204" pitchFamily="34" charset="0"/>
+                  <a:ea typeface="DEJAVU SANS" panose="020B0603030804020204" pitchFamily="34" charset="0"/>
+                  <a:cs typeface="DEJAVU SANS" panose="020B0603030804020204" pitchFamily="34" charset="0"/>
+                </a:rPr>
+                <a:t>Non-weighted</a:t>
+              </a:r>
+            </a:p>
+          </p:txBody>
+        </p:sp>
+        <p:sp>
+          <p:nvSpPr>
+            <p:cNvPr id="56" name="TextBox 55">
+              <a:extLst>
+                <a:ext uri="{FF2B5EF4-FFF2-40B4-BE49-F238E27FC236}">
+                  <a16:creationId xmlns:a16="http://schemas.microsoft.com/office/drawing/2014/main" id="{F5B5448C-DB80-6536-AB78-77E3AC11B271}"/>
+                </a:ext>
+              </a:extLst>
+            </p:cNvPr>
+            <p:cNvSpPr txBox="1"/>
+            <p:nvPr/>
+          </p:nvSpPr>
+          <p:spPr>
+            <a:xfrm>
+              <a:off x="6509619" y="2808802"/>
+              <a:ext cx="1469873" cy="276999"/>
+            </a:xfrm>
+            <a:prstGeom prst="rect">
+              <a:avLst/>
+            </a:prstGeom>
+            <a:noFill/>
+          </p:spPr>
+          <p:txBody>
+            <a:bodyPr wrap="square" rtlCol="0">
+              <a:spAutoFit/>
+            </a:bodyPr>
+            <a:lstStyle/>
+            <a:p>
+              <a:pPr algn="ctr"/>
+              <a:r>
+                <a:rPr lang="en-US" sz="1200" dirty="0">
+                  <a:latin typeface="DEJAVU SANS" panose="020B0603030804020204" pitchFamily="34" charset="0"/>
+                  <a:ea typeface="DEJAVU SANS" panose="020B0603030804020204" pitchFamily="34" charset="0"/>
+                  <a:cs typeface="DEJAVU SANS" panose="020B0603030804020204" pitchFamily="34" charset="0"/>
+                </a:rPr>
+                <a:t>Weighted</a:t>
+              </a:r>
+            </a:p>
+          </p:txBody>
+        </p:sp>
+        <p:sp>
+          <p:nvSpPr>
+            <p:cNvPr id="57" name="TextBox 56">
+              <a:extLst>
+                <a:ext uri="{FF2B5EF4-FFF2-40B4-BE49-F238E27FC236}">
+                  <a16:creationId xmlns:a16="http://schemas.microsoft.com/office/drawing/2014/main" id="{69DEDA8D-92B3-153C-E50C-E49BB6F53E4E}"/>
+                </a:ext>
+              </a:extLst>
+            </p:cNvPr>
+            <p:cNvSpPr txBox="1"/>
+            <p:nvPr/>
+          </p:nvSpPr>
+          <p:spPr>
+            <a:xfrm>
+              <a:off x="9770546" y="2808802"/>
+              <a:ext cx="1469873" cy="276999"/>
+            </a:xfrm>
+            <a:prstGeom prst="rect">
+              <a:avLst/>
+            </a:prstGeom>
+            <a:noFill/>
+          </p:spPr>
+          <p:txBody>
+            <a:bodyPr wrap="square" rtlCol="0">
+              <a:spAutoFit/>
+            </a:bodyPr>
+            <a:lstStyle/>
+            <a:p>
+              <a:pPr algn="ctr"/>
+              <a:r>
+                <a:rPr lang="en-US" sz="1200" dirty="0">
+                  <a:latin typeface="DEJAVU SANS" panose="020B0603030804020204" pitchFamily="34" charset="0"/>
+                  <a:ea typeface="DEJAVU SANS" panose="020B0603030804020204" pitchFamily="34" charset="0"/>
+                  <a:cs typeface="DEJAVU SANS" panose="020B0603030804020204" pitchFamily="34" charset="0"/>
+                </a:rPr>
+                <a:t>Weighted</a:t>
+              </a:r>
+            </a:p>
+          </p:txBody>
+        </p:sp>
+      </p:grpSp>
+    </p:spTree>
+    <p:extLst>
+      <p:ext uri="{BB962C8B-B14F-4D97-AF65-F5344CB8AC3E}">
+        <p14:creationId xmlns:p14="http://schemas.microsoft.com/office/powerpoint/2010/main" val="2847678504"/>
+      </p:ext>
+    </p:extLst>
+  </p:cSld>
+  <p:clrMapOvr>
+    <a:masterClrMapping/>
+  </p:clrMapOvr>
+</p:sld>
+</file>
+
 <file path=ppt/theme/theme1.xml><?xml version="1.0" encoding="utf-8"?>
 <a:theme xmlns:a="http://schemas.openxmlformats.org/drawingml/2006/main" name="Office Theme">
   <a:themeElements>
